--- a/宣道詩/(宣道詩157) 都歸耶穌.pptx
+++ b/宣道詩/(宣道詩157) 都歸耶穌.pptx
@@ -5,20 +5,25 @@
     <p:sldMasterId id="2147483660" r:id="rId1"/>
   </p:sldMasterIdLst>
   <p:notesMasterIdLst>
-    <p:notesMasterId r:id="rId10"/>
+    <p:notesMasterId r:id="rId15"/>
   </p:notesMasterIdLst>
   <p:handoutMasterIdLst>
-    <p:handoutMasterId r:id="rId11"/>
+    <p:handoutMasterId r:id="rId16"/>
   </p:handoutMasterIdLst>
   <p:sldIdLst>
-    <p:sldId id="1603" r:id="rId2"/>
-    <p:sldId id="1604" r:id="rId3"/>
-    <p:sldId id="1605" r:id="rId4"/>
-    <p:sldId id="1606" r:id="rId5"/>
-    <p:sldId id="1607" r:id="rId6"/>
-    <p:sldId id="1608" r:id="rId7"/>
-    <p:sldId id="1609" r:id="rId8"/>
-    <p:sldId id="1610" r:id="rId9"/>
+    <p:sldId id="1636" r:id="rId2"/>
+    <p:sldId id="266" r:id="rId3"/>
+    <p:sldId id="1637" r:id="rId4"/>
+    <p:sldId id="1638" r:id="rId5"/>
+    <p:sldId id="1639" r:id="rId6"/>
+    <p:sldId id="1640" r:id="rId7"/>
+    <p:sldId id="1645" r:id="rId8"/>
+    <p:sldId id="1641" r:id="rId9"/>
+    <p:sldId id="1642" r:id="rId10"/>
+    <p:sldId id="1646" r:id="rId11"/>
+    <p:sldId id="1643" r:id="rId12"/>
+    <p:sldId id="1644" r:id="rId13"/>
+    <p:sldId id="1647" r:id="rId14"/>
   </p:sldIdLst>
   <p:sldSz cx="12192000" cy="6858000"/>
   <p:notesSz cx="6858000" cy="9144000"/>
@@ -317,6 +322,11 @@
         </p:txBody>
       </p:sp>
     </p:spTree>
+    <p:extLst>
+      <p:ext uri="{BB962C8B-B14F-4D97-AF65-F5344CB8AC3E}">
+        <p14:creationId xmlns:p14="http://schemas.microsoft.com/office/powerpoint/2010/main" val="1"/>
+      </p:ext>
+    </p:extLst>
   </p:cSld>
   <p:clrMap bg1="lt1" tx1="dk1" bg2="lt2" tx2="dk2" accent1="accent1" accent2="accent2" accent3="accent3" accent4="accent4" accent5="accent5" accent6="accent6" hlink="hlink" folHlink="folHlink"/>
 </p:handoutMaster>
@@ -466,38 +476,37 @@
           <a:p>
             <a:pPr lvl="0"/>
             <a:r>
-              <a:rPr lang="zh-TW" altLang="en-US" smtClean="0"/>
+              <a:rPr lang="zh-TW" altLang="en-US"/>
               <a:t>按一下以編輯母片文字樣式</a:t>
             </a:r>
           </a:p>
           <a:p>
             <a:pPr lvl="1"/>
             <a:r>
-              <a:rPr lang="zh-TW" altLang="en-US" smtClean="0"/>
+              <a:rPr lang="zh-TW" altLang="en-US"/>
               <a:t>第二層</a:t>
             </a:r>
           </a:p>
           <a:p>
             <a:pPr lvl="2"/>
             <a:r>
-              <a:rPr lang="zh-TW" altLang="en-US" smtClean="0"/>
+              <a:rPr lang="zh-TW" altLang="en-US"/>
               <a:t>第三層</a:t>
             </a:r>
           </a:p>
           <a:p>
             <a:pPr lvl="3"/>
             <a:r>
-              <a:rPr lang="zh-TW" altLang="en-US" smtClean="0"/>
+              <a:rPr lang="zh-TW" altLang="en-US"/>
               <a:t>第四層</a:t>
             </a:r>
           </a:p>
           <a:p>
             <a:pPr lvl="4"/>
             <a:r>
-              <a:rPr lang="zh-TW" altLang="en-US" smtClean="0"/>
+              <a:rPr lang="zh-TW" altLang="en-US"/>
               <a:t>第五層</a:t>
             </a:r>
-            <a:endParaRPr lang="zh-TW" altLang="en-US"/>
           </a:p>
         </p:txBody>
       </p:sp>
@@ -703,7 +712,7 @@
           <a:lstStyle/>
           <a:p>
             <a:r>
-              <a:rPr lang="en-US" altLang="zh-TW" smtClean="0"/>
+              <a:rPr lang="en-US" altLang="zh-TW"/>
               <a:t>Click to edit Master title style</a:t>
             </a:r>
             <a:endParaRPr lang="zh-TW" altLang="en-US"/>
@@ -822,7 +831,7 @@
           </a:lstStyle>
           <a:p>
             <a:r>
-              <a:rPr lang="en-US" altLang="zh-TW" smtClean="0"/>
+              <a:rPr lang="en-US" altLang="zh-TW"/>
               <a:t>Click to edit Master subtitle style</a:t>
             </a:r>
             <a:endParaRPr lang="zh-TW" altLang="en-US"/>
@@ -945,7 +954,7 @@
           <a:lstStyle/>
           <a:p>
             <a:r>
-              <a:rPr lang="en-US" altLang="zh-TW" smtClean="0"/>
+              <a:rPr lang="en-US" altLang="zh-TW"/>
               <a:t>Click to edit Master title style</a:t>
             </a:r>
             <a:endParaRPr lang="zh-TW" altLang="en-US"/>
@@ -969,35 +978,35 @@
           <a:p>
             <a:pPr lvl="0"/>
             <a:r>
-              <a:rPr lang="en-US" altLang="zh-TW" smtClean="0"/>
+              <a:rPr lang="en-US" altLang="zh-TW"/>
               <a:t>Edit Master text styles</a:t>
             </a:r>
           </a:p>
           <a:p>
             <a:pPr lvl="1"/>
             <a:r>
-              <a:rPr lang="en-US" altLang="zh-TW" smtClean="0"/>
+              <a:rPr lang="en-US" altLang="zh-TW"/>
               <a:t>Second level</a:t>
             </a:r>
           </a:p>
           <a:p>
             <a:pPr lvl="2"/>
             <a:r>
-              <a:rPr lang="en-US" altLang="zh-TW" smtClean="0"/>
+              <a:rPr lang="en-US" altLang="zh-TW"/>
               <a:t>Third level</a:t>
             </a:r>
           </a:p>
           <a:p>
             <a:pPr lvl="3"/>
             <a:r>
-              <a:rPr lang="en-US" altLang="zh-TW" smtClean="0"/>
+              <a:rPr lang="en-US" altLang="zh-TW"/>
               <a:t>Fourth level</a:t>
             </a:r>
           </a:p>
           <a:p>
             <a:pPr lvl="4"/>
             <a:r>
-              <a:rPr lang="en-US" altLang="zh-TW" smtClean="0"/>
+              <a:rPr lang="en-US" altLang="zh-TW"/>
               <a:t>Fifth level</a:t>
             </a:r>
             <a:endParaRPr lang="zh-TW" altLang="en-US"/>
@@ -1125,7 +1134,7 @@
           <a:lstStyle/>
           <a:p>
             <a:r>
-              <a:rPr lang="en-US" altLang="zh-TW" smtClean="0"/>
+              <a:rPr lang="en-US" altLang="zh-TW"/>
               <a:t>Click to edit Master title style</a:t>
             </a:r>
             <a:endParaRPr lang="zh-TW" altLang="en-US"/>
@@ -1154,35 +1163,35 @@
           <a:p>
             <a:pPr lvl="0"/>
             <a:r>
-              <a:rPr lang="en-US" altLang="zh-TW" smtClean="0"/>
+              <a:rPr lang="en-US" altLang="zh-TW"/>
               <a:t>Edit Master text styles</a:t>
             </a:r>
           </a:p>
           <a:p>
             <a:pPr lvl="1"/>
             <a:r>
-              <a:rPr lang="en-US" altLang="zh-TW" smtClean="0"/>
+              <a:rPr lang="en-US" altLang="zh-TW"/>
               <a:t>Second level</a:t>
             </a:r>
           </a:p>
           <a:p>
             <a:pPr lvl="2"/>
             <a:r>
-              <a:rPr lang="en-US" altLang="zh-TW" smtClean="0"/>
+              <a:rPr lang="en-US" altLang="zh-TW"/>
               <a:t>Third level</a:t>
             </a:r>
           </a:p>
           <a:p>
             <a:pPr lvl="3"/>
             <a:r>
-              <a:rPr lang="en-US" altLang="zh-TW" smtClean="0"/>
+              <a:rPr lang="en-US" altLang="zh-TW"/>
               <a:t>Fourth level</a:t>
             </a:r>
           </a:p>
           <a:p>
             <a:pPr lvl="4"/>
             <a:r>
-              <a:rPr lang="en-US" altLang="zh-TW" smtClean="0"/>
+              <a:rPr lang="en-US" altLang="zh-TW"/>
               <a:t>Fifth level</a:t>
             </a:r>
             <a:endParaRPr lang="zh-TW" altLang="en-US"/>
@@ -1305,7 +1314,7 @@
           <a:lstStyle/>
           <a:p>
             <a:r>
-              <a:rPr lang="en-US" altLang="zh-TW" smtClean="0"/>
+              <a:rPr lang="en-US" altLang="zh-TW"/>
               <a:t>Click to edit Master title style</a:t>
             </a:r>
             <a:endParaRPr lang="zh-TW" altLang="en-US"/>
@@ -1329,35 +1338,35 @@
           <a:p>
             <a:pPr lvl="0"/>
             <a:r>
-              <a:rPr lang="en-US" altLang="zh-TW" smtClean="0"/>
+              <a:rPr lang="en-US" altLang="zh-TW"/>
               <a:t>Edit Master text styles</a:t>
             </a:r>
           </a:p>
           <a:p>
             <a:pPr lvl="1"/>
             <a:r>
-              <a:rPr lang="en-US" altLang="zh-TW" smtClean="0"/>
+              <a:rPr lang="en-US" altLang="zh-TW"/>
               <a:t>Second level</a:t>
             </a:r>
           </a:p>
           <a:p>
             <a:pPr lvl="2"/>
             <a:r>
-              <a:rPr lang="en-US" altLang="zh-TW" smtClean="0"/>
+              <a:rPr lang="en-US" altLang="zh-TW"/>
               <a:t>Third level</a:t>
             </a:r>
           </a:p>
           <a:p>
             <a:pPr lvl="3"/>
             <a:r>
-              <a:rPr lang="en-US" altLang="zh-TW" smtClean="0"/>
+              <a:rPr lang="en-US" altLang="zh-TW"/>
               <a:t>Fourth level</a:t>
             </a:r>
           </a:p>
           <a:p>
             <a:pPr lvl="4"/>
             <a:r>
-              <a:rPr lang="en-US" altLang="zh-TW" smtClean="0"/>
+              <a:rPr lang="en-US" altLang="zh-TW"/>
               <a:t>Fifth level</a:t>
             </a:r>
             <a:endParaRPr lang="zh-TW" altLang="en-US"/>
@@ -1489,7 +1498,7 @@
           </a:lstStyle>
           <a:p>
             <a:r>
-              <a:rPr lang="en-US" altLang="zh-TW" smtClean="0"/>
+              <a:rPr lang="en-US" altLang="zh-TW"/>
               <a:t>Click to edit Master title style</a:t>
             </a:r>
             <a:endParaRPr lang="zh-TW" altLang="en-US"/>
@@ -1609,7 +1618,7 @@
           <a:p>
             <a:pPr lvl="0"/>
             <a:r>
-              <a:rPr lang="en-US" altLang="zh-TW" smtClean="0"/>
+              <a:rPr lang="en-US" altLang="zh-TW"/>
               <a:t>Edit Master text styles</a:t>
             </a:r>
           </a:p>
@@ -1731,7 +1740,7 @@
           <a:lstStyle/>
           <a:p>
             <a:r>
-              <a:rPr lang="en-US" altLang="zh-TW" smtClean="0"/>
+              <a:rPr lang="en-US" altLang="zh-TW"/>
               <a:t>Click to edit Master title style</a:t>
             </a:r>
             <a:endParaRPr lang="zh-TW" altLang="en-US"/>
@@ -1788,35 +1797,35 @@
           <a:p>
             <a:pPr lvl="0"/>
             <a:r>
-              <a:rPr lang="en-US" altLang="zh-TW" smtClean="0"/>
+              <a:rPr lang="en-US" altLang="zh-TW"/>
               <a:t>Edit Master text styles</a:t>
             </a:r>
           </a:p>
           <a:p>
             <a:pPr lvl="1"/>
             <a:r>
-              <a:rPr lang="en-US" altLang="zh-TW" smtClean="0"/>
+              <a:rPr lang="en-US" altLang="zh-TW"/>
               <a:t>Second level</a:t>
             </a:r>
           </a:p>
           <a:p>
             <a:pPr lvl="2"/>
             <a:r>
-              <a:rPr lang="en-US" altLang="zh-TW" smtClean="0"/>
+              <a:rPr lang="en-US" altLang="zh-TW"/>
               <a:t>Third level</a:t>
             </a:r>
           </a:p>
           <a:p>
             <a:pPr lvl="3"/>
             <a:r>
-              <a:rPr lang="en-US" altLang="zh-TW" smtClean="0"/>
+              <a:rPr lang="en-US" altLang="zh-TW"/>
               <a:t>Fourth level</a:t>
             </a:r>
           </a:p>
           <a:p>
             <a:pPr lvl="4"/>
             <a:r>
-              <a:rPr lang="en-US" altLang="zh-TW" smtClean="0"/>
+              <a:rPr lang="en-US" altLang="zh-TW"/>
               <a:t>Fifth level</a:t>
             </a:r>
             <a:endParaRPr lang="zh-TW" altLang="en-US"/>
@@ -1873,35 +1882,35 @@
           <a:p>
             <a:pPr lvl="0"/>
             <a:r>
-              <a:rPr lang="en-US" altLang="zh-TW" smtClean="0"/>
+              <a:rPr lang="en-US" altLang="zh-TW"/>
               <a:t>Edit Master text styles</a:t>
             </a:r>
           </a:p>
           <a:p>
             <a:pPr lvl="1"/>
             <a:r>
-              <a:rPr lang="en-US" altLang="zh-TW" smtClean="0"/>
+              <a:rPr lang="en-US" altLang="zh-TW"/>
               <a:t>Second level</a:t>
             </a:r>
           </a:p>
           <a:p>
             <a:pPr lvl="2"/>
             <a:r>
-              <a:rPr lang="en-US" altLang="zh-TW" smtClean="0"/>
+              <a:rPr lang="en-US" altLang="zh-TW"/>
               <a:t>Third level</a:t>
             </a:r>
           </a:p>
           <a:p>
             <a:pPr lvl="3"/>
             <a:r>
-              <a:rPr lang="en-US" altLang="zh-TW" smtClean="0"/>
+              <a:rPr lang="en-US" altLang="zh-TW"/>
               <a:t>Fourth level</a:t>
             </a:r>
           </a:p>
           <a:p>
             <a:pPr lvl="4"/>
             <a:r>
-              <a:rPr lang="en-US" altLang="zh-TW" smtClean="0"/>
+              <a:rPr lang="en-US" altLang="zh-TW"/>
               <a:t>Fifth level</a:t>
             </a:r>
             <a:endParaRPr lang="zh-TW" altLang="en-US"/>
@@ -2028,7 +2037,7 @@
           </a:lstStyle>
           <a:p>
             <a:r>
-              <a:rPr lang="en-US" altLang="zh-TW" smtClean="0"/>
+              <a:rPr lang="en-US" altLang="zh-TW"/>
               <a:t>Click to edit Master title style</a:t>
             </a:r>
             <a:endParaRPr lang="zh-TW" altLang="en-US"/>
@@ -2094,7 +2103,7 @@
           <a:p>
             <a:pPr lvl="0"/>
             <a:r>
-              <a:rPr lang="en-US" altLang="zh-TW" smtClean="0"/>
+              <a:rPr lang="en-US" altLang="zh-TW"/>
               <a:t>Edit Master text styles</a:t>
             </a:r>
           </a:p>
@@ -2150,35 +2159,35 @@
           <a:p>
             <a:pPr lvl="0"/>
             <a:r>
-              <a:rPr lang="en-US" altLang="zh-TW" smtClean="0"/>
+              <a:rPr lang="en-US" altLang="zh-TW"/>
               <a:t>Edit Master text styles</a:t>
             </a:r>
           </a:p>
           <a:p>
             <a:pPr lvl="1"/>
             <a:r>
-              <a:rPr lang="en-US" altLang="zh-TW" smtClean="0"/>
+              <a:rPr lang="en-US" altLang="zh-TW"/>
               <a:t>Second level</a:t>
             </a:r>
           </a:p>
           <a:p>
             <a:pPr lvl="2"/>
             <a:r>
-              <a:rPr lang="en-US" altLang="zh-TW" smtClean="0"/>
+              <a:rPr lang="en-US" altLang="zh-TW"/>
               <a:t>Third level</a:t>
             </a:r>
           </a:p>
           <a:p>
             <a:pPr lvl="3"/>
             <a:r>
-              <a:rPr lang="en-US" altLang="zh-TW" smtClean="0"/>
+              <a:rPr lang="en-US" altLang="zh-TW"/>
               <a:t>Fourth level</a:t>
             </a:r>
           </a:p>
           <a:p>
             <a:pPr lvl="4"/>
             <a:r>
-              <a:rPr lang="en-US" altLang="zh-TW" smtClean="0"/>
+              <a:rPr lang="en-US" altLang="zh-TW"/>
               <a:t>Fifth level</a:t>
             </a:r>
             <a:endParaRPr lang="zh-TW" altLang="en-US"/>
@@ -2244,7 +2253,7 @@
           <a:p>
             <a:pPr lvl="0"/>
             <a:r>
-              <a:rPr lang="en-US" altLang="zh-TW" smtClean="0"/>
+              <a:rPr lang="en-US" altLang="zh-TW"/>
               <a:t>Edit Master text styles</a:t>
             </a:r>
           </a:p>
@@ -2300,35 +2309,35 @@
           <a:p>
             <a:pPr lvl="0"/>
             <a:r>
-              <a:rPr lang="en-US" altLang="zh-TW" smtClean="0"/>
+              <a:rPr lang="en-US" altLang="zh-TW"/>
               <a:t>Edit Master text styles</a:t>
             </a:r>
           </a:p>
           <a:p>
             <a:pPr lvl="1"/>
             <a:r>
-              <a:rPr lang="en-US" altLang="zh-TW" smtClean="0"/>
+              <a:rPr lang="en-US" altLang="zh-TW"/>
               <a:t>Second level</a:t>
             </a:r>
           </a:p>
           <a:p>
             <a:pPr lvl="2"/>
             <a:r>
-              <a:rPr lang="en-US" altLang="zh-TW" smtClean="0"/>
+              <a:rPr lang="en-US" altLang="zh-TW"/>
               <a:t>Third level</a:t>
             </a:r>
           </a:p>
           <a:p>
             <a:pPr lvl="3"/>
             <a:r>
-              <a:rPr lang="en-US" altLang="zh-TW" smtClean="0"/>
+              <a:rPr lang="en-US" altLang="zh-TW"/>
               <a:t>Fourth level</a:t>
             </a:r>
           </a:p>
           <a:p>
             <a:pPr lvl="4"/>
             <a:r>
-              <a:rPr lang="en-US" altLang="zh-TW" smtClean="0"/>
+              <a:rPr lang="en-US" altLang="zh-TW"/>
               <a:t>Fifth level</a:t>
             </a:r>
             <a:endParaRPr lang="zh-TW" altLang="en-US"/>
@@ -2451,7 +2460,7 @@
           <a:lstStyle/>
           <a:p>
             <a:r>
-              <a:rPr lang="en-US" altLang="zh-TW" smtClean="0"/>
+              <a:rPr lang="en-US" altLang="zh-TW"/>
               <a:t>Click to edit Master title style</a:t>
             </a:r>
             <a:endParaRPr lang="zh-TW" altLang="en-US"/>
@@ -2683,7 +2692,7 @@
           </a:lstStyle>
           <a:p>
             <a:r>
-              <a:rPr lang="en-US" altLang="zh-TW" smtClean="0"/>
+              <a:rPr lang="en-US" altLang="zh-TW"/>
               <a:t>Click to edit Master title style</a:t>
             </a:r>
             <a:endParaRPr lang="zh-TW" altLang="en-US"/>
@@ -2740,35 +2749,35 @@
           <a:p>
             <a:pPr lvl="0"/>
             <a:r>
-              <a:rPr lang="en-US" altLang="zh-TW" smtClean="0"/>
+              <a:rPr lang="en-US" altLang="zh-TW"/>
               <a:t>Edit Master text styles</a:t>
             </a:r>
           </a:p>
           <a:p>
             <a:pPr lvl="1"/>
             <a:r>
-              <a:rPr lang="en-US" altLang="zh-TW" smtClean="0"/>
+              <a:rPr lang="en-US" altLang="zh-TW"/>
               <a:t>Second level</a:t>
             </a:r>
           </a:p>
           <a:p>
             <a:pPr lvl="2"/>
             <a:r>
-              <a:rPr lang="en-US" altLang="zh-TW" smtClean="0"/>
+              <a:rPr lang="en-US" altLang="zh-TW"/>
               <a:t>Third level</a:t>
             </a:r>
           </a:p>
           <a:p>
             <a:pPr lvl="3"/>
             <a:r>
-              <a:rPr lang="en-US" altLang="zh-TW" smtClean="0"/>
+              <a:rPr lang="en-US" altLang="zh-TW"/>
               <a:t>Fourth level</a:t>
             </a:r>
           </a:p>
           <a:p>
             <a:pPr lvl="4"/>
             <a:r>
-              <a:rPr lang="en-US" altLang="zh-TW" smtClean="0"/>
+              <a:rPr lang="en-US" altLang="zh-TW"/>
               <a:t>Fifth level</a:t>
             </a:r>
             <a:endParaRPr lang="zh-TW" altLang="en-US"/>
@@ -2834,7 +2843,7 @@
           <a:p>
             <a:pPr lvl="0"/>
             <a:r>
-              <a:rPr lang="en-US" altLang="zh-TW" smtClean="0"/>
+              <a:rPr lang="en-US" altLang="zh-TW"/>
               <a:t>Edit Master text styles</a:t>
             </a:r>
           </a:p>
@@ -2965,7 +2974,7 @@
           </a:lstStyle>
           <a:p>
             <a:r>
-              <a:rPr lang="en-US" altLang="zh-TW" smtClean="0"/>
+              <a:rPr lang="en-US" altLang="zh-TW"/>
               <a:t>Click to edit Master title style</a:t>
             </a:r>
             <a:endParaRPr lang="zh-TW" altLang="en-US"/>
@@ -3030,7 +3039,7 @@
           </a:lstStyle>
           <a:p>
             <a:r>
-              <a:rPr lang="en-US" altLang="zh-TW" smtClean="0"/>
+              <a:rPr lang="en-US" altLang="zh-TW"/>
               <a:t>Click icon to add picture</a:t>
             </a:r>
             <a:endParaRPr lang="zh-TW" altLang="en-US"/>
@@ -3096,7 +3105,7 @@
           <a:p>
             <a:pPr lvl="0"/>
             <a:r>
-              <a:rPr lang="en-US" altLang="zh-TW" smtClean="0"/>
+              <a:rPr lang="en-US" altLang="zh-TW"/>
               <a:t>Edit Master text styles</a:t>
             </a:r>
           </a:p>
@@ -3238,10 +3247,9 @@
           <a:lstStyle/>
           <a:p>
             <a:r>
-              <a:rPr lang="zh-TW" altLang="en-US" smtClean="0"/>
+              <a:rPr lang="zh-TW" altLang="en-US"/>
               <a:t>按一下以編輯母片標題樣式</a:t>
             </a:r>
-            <a:endParaRPr lang="zh-TW" altLang="en-US"/>
           </a:p>
         </p:txBody>
       </p:sp>
@@ -3272,38 +3280,37 @@
           <a:p>
             <a:pPr lvl="0"/>
             <a:r>
-              <a:rPr lang="zh-TW" altLang="en-US" smtClean="0"/>
+              <a:rPr lang="zh-TW" altLang="en-US"/>
               <a:t>按一下以編輯母片文字樣式</a:t>
             </a:r>
           </a:p>
           <a:p>
             <a:pPr lvl="1"/>
             <a:r>
-              <a:rPr lang="zh-TW" altLang="en-US" smtClean="0"/>
+              <a:rPr lang="zh-TW" altLang="en-US"/>
               <a:t>第二層</a:t>
             </a:r>
           </a:p>
           <a:p>
             <a:pPr lvl="2"/>
             <a:r>
-              <a:rPr lang="zh-TW" altLang="en-US" smtClean="0"/>
+              <a:rPr lang="zh-TW" altLang="en-US"/>
               <a:t>第三層</a:t>
             </a:r>
           </a:p>
           <a:p>
             <a:pPr lvl="3"/>
             <a:r>
-              <a:rPr lang="zh-TW" altLang="en-US" smtClean="0"/>
+              <a:rPr lang="zh-TW" altLang="en-US"/>
               <a:t>第四層</a:t>
             </a:r>
           </a:p>
           <a:p>
             <a:pPr lvl="4"/>
             <a:r>
-              <a:rPr lang="zh-TW" altLang="en-US" smtClean="0"/>
+              <a:rPr lang="zh-TW" altLang="en-US"/>
               <a:t>第五層</a:t>
             </a:r>
-            <a:endParaRPr lang="zh-TW" altLang="en-US"/>
           </a:p>
         </p:txBody>
       </p:sp>
@@ -3724,7 +3731,7 @@
       </p:grpSpPr>
       <p:sp>
         <p:nvSpPr>
-          <p:cNvPr id="4" name="Title 3"/>
+          <p:cNvPr id="4" name="標題 3"/>
           <p:cNvSpPr>
             <a:spLocks noGrp="1"/>
           </p:cNvSpPr>
@@ -3732,85 +3739,188 @@
             <p:ph type="title"/>
           </p:nvPr>
         </p:nvSpPr>
-        <p:spPr/>
+        <p:spPr>
+          <a:xfrm>
+            <a:off x="0" y="2660915"/>
+            <a:ext cx="12192000" cy="1143000"/>
+          </a:xfrm>
+        </p:spPr>
         <p:txBody>
           <a:bodyPr>
+            <a:noAutofit/>
+          </a:bodyPr>
+          <a:lstStyle/>
+          <a:p>
+            <a:r>
+              <a:rPr lang="zh-CN" altLang="en-US" sz="5333" b="1" u="sng" dirty="0">
+                <a:solidFill>
+                  <a:srgbClr val="660033"/>
+                </a:solidFill>
+                <a:effectLst>
+                  <a:outerShdw blurRad="38100" dist="38100" dir="2700000" algn="tl">
+                    <a:srgbClr val="000000">
+                      <a:alpha val="43137"/>
+                    </a:srgbClr>
+                  </a:outerShdw>
+                </a:effectLst>
+                <a:latin typeface="微軟正黑體" pitchFamily="34" charset="-120"/>
+                <a:ea typeface="微軟正黑體" pitchFamily="34" charset="-120"/>
+              </a:rPr>
+              <a:t>宣道詩 </a:t>
+            </a:r>
+            <a:r>
+              <a:rPr lang="en-US" altLang="zh-CN" sz="5333" b="1" u="sng" dirty="0">
+                <a:solidFill>
+                  <a:srgbClr val="660033"/>
+                </a:solidFill>
+                <a:effectLst>
+                  <a:outerShdw blurRad="38100" dist="38100" dir="2700000" algn="tl">
+                    <a:srgbClr val="000000">
+                      <a:alpha val="43137"/>
+                    </a:srgbClr>
+                  </a:outerShdw>
+                </a:effectLst>
+                <a:latin typeface="微軟正黑體" pitchFamily="34" charset="-120"/>
+                <a:ea typeface="微軟正黑體" pitchFamily="34" charset="-120"/>
+              </a:rPr>
+              <a:t>157</a:t>
+            </a:r>
+            <a:br>
+              <a:rPr lang="en-US" altLang="zh-CN" sz="7200" b="1" i="1" dirty="0">
+                <a:solidFill>
+                  <a:srgbClr val="660033"/>
+                </a:solidFill>
+                <a:effectLst>
+                  <a:outerShdw blurRad="38100" dist="38100" dir="2700000" algn="tl">
+                    <a:srgbClr val="000000">
+                      <a:alpha val="43137"/>
+                    </a:srgbClr>
+                  </a:outerShdw>
+                </a:effectLst>
+                <a:latin typeface="微軟正黑體" pitchFamily="34" charset="-120"/>
+                <a:ea typeface="微軟正黑體" pitchFamily="34" charset="-120"/>
+              </a:rPr>
+            </a:br>
+            <a:r>
+              <a:rPr lang="zh-CN" altLang="en-US" sz="8000" b="1" dirty="0">
+                <a:solidFill>
+                  <a:srgbClr val="000066"/>
+                </a:solidFill>
+                <a:effectLst>
+                  <a:outerShdw blurRad="38100" dist="38100" dir="2700000" algn="tl">
+                    <a:srgbClr val="000000">
+                      <a:alpha val="43137"/>
+                    </a:srgbClr>
+                  </a:outerShdw>
+                </a:effectLst>
+                <a:latin typeface="微軟正黑體" pitchFamily="34" charset="-120"/>
+                <a:ea typeface="微軟正黑體" pitchFamily="34" charset="-120"/>
+              </a:rPr>
+              <a:t>都歸耶穌</a:t>
+            </a:r>
+            <a:endParaRPr lang="zh-TW" altLang="en-US" sz="8000" b="1" dirty="0">
+              <a:solidFill>
+                <a:srgbClr val="000066"/>
+              </a:solidFill>
+              <a:effectLst>
+                <a:outerShdw blurRad="38100" dist="38100" dir="2700000" algn="tl">
+                  <a:srgbClr val="000000">
+                    <a:alpha val="43137"/>
+                  </a:srgbClr>
+                </a:outerShdw>
+              </a:effectLst>
+              <a:latin typeface="微軟正黑體" pitchFamily="34" charset="-120"/>
+              <a:ea typeface="微軟正黑體" pitchFamily="34" charset="-120"/>
+            </a:endParaRPr>
+          </a:p>
+        </p:txBody>
+      </p:sp>
+    </p:spTree>
+    <p:extLst>
+      <p:ext uri="{BB962C8B-B14F-4D97-AF65-F5344CB8AC3E}">
+        <p14:creationId xmlns:p14="http://schemas.microsoft.com/office/powerpoint/2010/main" val="3543580175"/>
+      </p:ext>
+    </p:extLst>
+  </p:cSld>
+  <p:clrMapOvr>
+    <a:masterClrMapping/>
+  </p:clrMapOvr>
+</p:sld>
+</file>
+
+<file path=ppt/slides/slide10.xml><?xml version="1.0" encoding="utf-8"?>
+<p:sld xmlns:a="http://schemas.openxmlformats.org/drawingml/2006/main" xmlns:r="http://schemas.openxmlformats.org/officeDocument/2006/relationships" xmlns:p="http://schemas.openxmlformats.org/presentationml/2006/main">
+  <p:cSld>
+    <p:spTree>
+      <p:nvGrpSpPr>
+        <p:cNvPr id="1" name="">
+          <a:extLst>
+            <a:ext uri="{FF2B5EF4-FFF2-40B4-BE49-F238E27FC236}">
+              <a16:creationId xmlns:a16="http://schemas.microsoft.com/office/drawing/2014/main" id="{1F8CE75F-C5DC-CCC9-D3B6-5EDC9398B1FE}"/>
+            </a:ext>
+          </a:extLst>
+        </p:cNvPr>
+        <p:cNvGrpSpPr/>
+        <p:nvPr/>
+      </p:nvGrpSpPr>
+      <p:grpSpPr>
+        <a:xfrm>
+          <a:off x="0" y="0"/>
+          <a:ext cx="0" cy="0"/>
+          <a:chOff x="0" y="0"/>
+          <a:chExt cx="0" cy="0"/>
+        </a:xfrm>
+      </p:grpSpPr>
+      <p:sp>
+        <p:nvSpPr>
+          <p:cNvPr id="5" name="內容版面配置區 4">
+            <a:extLst>
+              <a:ext uri="{FF2B5EF4-FFF2-40B4-BE49-F238E27FC236}">
+                <a16:creationId xmlns:a16="http://schemas.microsoft.com/office/drawing/2014/main" id="{99C148AE-3535-167F-0223-2EB0CDC612AF}"/>
+              </a:ext>
+            </a:extLst>
+          </p:cNvPr>
+          <p:cNvSpPr>
+            <a:spLocks noGrp="1"/>
+          </p:cNvSpPr>
+          <p:nvPr>
+            <p:ph idx="1"/>
+          </p:nvPr>
+        </p:nvSpPr>
+        <p:spPr>
+          <a:xfrm>
+            <a:off x="0" y="2084853"/>
+            <a:ext cx="12192000" cy="2404863"/>
+          </a:xfrm>
+        </p:spPr>
+        <p:txBody>
+          <a:bodyPr anchor="ctr">
             <a:normAutofit/>
           </a:bodyPr>
           <a:lstStyle/>
           <a:p>
-            <a:r>
-              <a:rPr lang="en-US" altLang="zh-CN" sz="4800" b="1" dirty="0">
-                <a:solidFill>
-                  <a:srgbClr val="002060"/>
+            <a:pPr marL="0" indent="0" algn="ctr">
+              <a:buNone/>
+            </a:pPr>
+            <a:r>
+              <a:rPr lang="zh-TW" altLang="en-US" sz="6400" b="1" dirty="0">
+                <a:solidFill>
+                  <a:srgbClr val="000066"/>
                 </a:solidFill>
                 <a:latin typeface="Microsoft JhengHei" panose="020B0604030504040204" pitchFamily="34" charset="-120"/>
                 <a:ea typeface="Microsoft JhengHei" panose="020B0604030504040204" pitchFamily="34" charset="-120"/>
               </a:rPr>
-              <a:t>【</a:t>
-            </a:r>
-            <a:r>
-              <a:rPr lang="zh-CN" altLang="en-US" sz="4800" b="1" dirty="0">
-                <a:solidFill>
-                  <a:srgbClr val="002060"/>
-                </a:solidFill>
-                <a:latin typeface="Microsoft JhengHei" panose="020B0604030504040204" pitchFamily="34" charset="-120"/>
-                <a:ea typeface="Microsoft JhengHei" panose="020B0604030504040204" pitchFamily="34" charset="-120"/>
-              </a:rPr>
-              <a:t>都歸耶穌</a:t>
-            </a:r>
-            <a:r>
-              <a:rPr lang="en-US" altLang="zh-CN" sz="4800" b="1" dirty="0">
-                <a:solidFill>
-                  <a:srgbClr val="002060"/>
-                </a:solidFill>
-                <a:latin typeface="Microsoft JhengHei" panose="020B0604030504040204" pitchFamily="34" charset="-120"/>
-                <a:ea typeface="Microsoft JhengHei" panose="020B0604030504040204" pitchFamily="34" charset="-120"/>
-              </a:rPr>
-              <a:t>】</a:t>
-            </a:r>
-          </a:p>
-        </p:txBody>
-      </p:sp>
-      <p:sp>
-        <p:nvSpPr>
-          <p:cNvPr id="5" name="Content Placeholder 4"/>
-          <p:cNvSpPr>
-            <a:spLocks noGrp="1"/>
-          </p:cNvSpPr>
-          <p:nvPr>
-            <p:ph idx="1"/>
-          </p:nvPr>
-        </p:nvSpPr>
-        <p:spPr/>
-        <p:txBody>
-          <a:bodyPr>
-            <a:normAutofit/>
-          </a:bodyPr>
-          <a:lstStyle/>
+              <a:t>都歸耶穌   都歸耶穌</a:t>
+            </a:r>
+          </a:p>
           <a:p>
             <a:pPr marL="0" indent="0" algn="ctr">
               <a:buNone/>
             </a:pPr>
             <a:r>
-              <a:rPr lang="zh-TW" altLang="en-US" sz="5400" b="1" dirty="0">
-                <a:solidFill>
-                  <a:srgbClr val="002060"/>
-                </a:solidFill>
-                <a:latin typeface="Microsoft JhengHei" panose="020B0604030504040204" pitchFamily="34" charset="-120"/>
-                <a:ea typeface="Microsoft JhengHei" panose="020B0604030504040204" pitchFamily="34" charset="-120"/>
-              </a:rPr>
-              <a:t>都歸耶穌都歸耶穌</a:t>
-            </a:r>
-          </a:p>
-          <a:p>
-            <a:pPr marL="0" indent="0" algn="ctr">
-              <a:buNone/>
-            </a:pPr>
-            <a:r>
-              <a:rPr lang="zh-TW" altLang="en-US" sz="5400" b="1" dirty="0">
-                <a:solidFill>
-                  <a:srgbClr val="002060"/>
+              <a:rPr lang="zh-TW" altLang="en-US" sz="6400" b="1" dirty="0">
+                <a:solidFill>
+                  <a:srgbClr val="000066"/>
                 </a:solidFill>
                 <a:latin typeface="Microsoft JhengHei" panose="020B0604030504040204" pitchFamily="34" charset="-120"/>
                 <a:ea typeface="Microsoft JhengHei" panose="020B0604030504040204" pitchFamily="34" charset="-120"/>
@@ -3818,80 +3928,523 @@
               <a:t>我願全身都歸主</a:t>
             </a:r>
           </a:p>
-          <a:p>
-            <a:pPr marL="0" indent="0" algn="ctr">
-              <a:buNone/>
-            </a:pPr>
-            <a:r>
-              <a:rPr lang="zh-TW" altLang="en-US" sz="5400" b="1" dirty="0">
-                <a:solidFill>
-                  <a:srgbClr val="002060"/>
-                </a:solidFill>
-                <a:latin typeface="Microsoft JhengHei" panose="020B0604030504040204" pitchFamily="34" charset="-120"/>
-                <a:ea typeface="Microsoft JhengHei" panose="020B0604030504040204" pitchFamily="34" charset="-120"/>
-              </a:rPr>
-              <a:t>才智力量言語行為</a:t>
-            </a:r>
-          </a:p>
-          <a:p>
-            <a:pPr marL="0" indent="0" algn="ctr">
-              <a:buNone/>
-            </a:pPr>
-            <a:r>
-              <a:rPr lang="zh-TW" altLang="en-US" sz="5400" b="1" dirty="0">
-                <a:solidFill>
-                  <a:srgbClr val="002060"/>
-                </a:solidFill>
-                <a:latin typeface="Microsoft JhengHei" panose="020B0604030504040204" pitchFamily="34" charset="-120"/>
-                <a:ea typeface="Microsoft JhengHei" panose="020B0604030504040204" pitchFamily="34" charset="-120"/>
-              </a:rPr>
-              <a:t>都歸耶穌我救主</a:t>
-            </a:r>
-          </a:p>
-        </p:txBody>
-      </p:sp>
-      <p:sp>
-        <p:nvSpPr>
-          <p:cNvPr id="6" name="Text Box 1"/>
+        </p:txBody>
+      </p:sp>
+      <p:sp>
+        <p:nvSpPr>
+          <p:cNvPr id="2" name="TextBox 1">
+            <a:extLst>
+              <a:ext uri="{FF2B5EF4-FFF2-40B4-BE49-F238E27FC236}">
+                <a16:creationId xmlns:a16="http://schemas.microsoft.com/office/drawing/2014/main" id="{58A8F94B-1624-B06A-2D96-B62C49F9D14B}"/>
+              </a:ext>
+            </a:extLst>
+          </p:cNvPr>
           <p:cNvSpPr txBox="1"/>
           <p:nvPr/>
         </p:nvSpPr>
         <p:spPr>
           <a:xfrm>
-            <a:off x="1415480" y="1700808"/>
-            <a:ext cx="911424" cy="923330"/>
+            <a:off x="0" y="5061183"/>
+            <a:ext cx="12192000" cy="666786"/>
           </a:xfrm>
           <a:prstGeom prst="rect">
             <a:avLst/>
           </a:prstGeom>
           <a:noFill/>
-          <a:ln w="9525">
-            <a:noFill/>
-            <a:miter lim="800000"/>
-          </a:ln>
         </p:spPr>
         <p:txBody>
-          <a:bodyPr wrap="square">
+          <a:bodyPr wrap="square" rtlCol="0">
             <a:spAutoFit/>
           </a:bodyPr>
           <a:lstStyle/>
           <a:p>
             <a:pPr algn="ctr"/>
             <a:r>
-              <a:rPr lang="en-US" sz="5400" b="1" dirty="0">
-                <a:solidFill>
-                  <a:srgbClr val="002060"/>
-                </a:solidFill>
+              <a:rPr lang="en-US" sz="3733" b="1" dirty="0">
+                <a:solidFill>
+                  <a:srgbClr val="000066"/>
+                </a:solidFill>
+                <a:latin typeface="Microsoft JhengHei" panose="020B0604030504040204" pitchFamily="34" charset="-120"/>
+                <a:ea typeface="Microsoft JhengHei" panose="020B0604030504040204" pitchFamily="34" charset="-120"/>
               </a:rPr>
-              <a:t>1.</a:t>
-            </a:r>
+              <a:t>( 2 </a:t>
+            </a:r>
+            <a:r>
+              <a:rPr lang="zh-CN" altLang="en-US" sz="3733" b="1" dirty="0">
+                <a:solidFill>
+                  <a:srgbClr val="000066"/>
+                </a:solidFill>
+                <a:latin typeface="Microsoft JhengHei" panose="020B0604030504040204" pitchFamily="34" charset="-120"/>
+                <a:ea typeface="Microsoft JhengHei" panose="020B0604030504040204" pitchFamily="34" charset="-120"/>
+              </a:rPr>
+              <a:t>次 </a:t>
+            </a:r>
+            <a:r>
+              <a:rPr lang="en-US" sz="3733" b="1" dirty="0">
+                <a:solidFill>
+                  <a:srgbClr val="000066"/>
+                </a:solidFill>
+                <a:latin typeface="Microsoft JhengHei" panose="020B0604030504040204" pitchFamily="34" charset="-120"/>
+                <a:ea typeface="Microsoft JhengHei" panose="020B0604030504040204" pitchFamily="34" charset="-120"/>
+              </a:rPr>
+              <a:t>)</a:t>
+            </a:r>
+            <a:endParaRPr lang="vi-VN" sz="3733" b="1" dirty="0">
+              <a:solidFill>
+                <a:srgbClr val="000066"/>
+              </a:solidFill>
+              <a:ea typeface="Microsoft JhengHei" panose="020B0604030504040204" pitchFamily="34" charset="-120"/>
+            </a:endParaRPr>
           </a:p>
         </p:txBody>
       </p:sp>
     </p:spTree>
     <p:extLst>
       <p:ext uri="{BB962C8B-B14F-4D97-AF65-F5344CB8AC3E}">
-        <p14:creationId xmlns:p14="http://schemas.microsoft.com/office/powerpoint/2010/main" val="3397066117"/>
+        <p14:creationId xmlns:p14="http://schemas.microsoft.com/office/powerpoint/2010/main" val="1596693991"/>
+      </p:ext>
+    </p:extLst>
+  </p:cSld>
+  <p:clrMapOvr>
+    <a:masterClrMapping/>
+  </p:clrMapOvr>
+</p:sld>
+</file>
+
+<file path=ppt/slides/slide11.xml><?xml version="1.0" encoding="utf-8"?>
+<p:sld xmlns:a="http://schemas.openxmlformats.org/drawingml/2006/main" xmlns:r="http://schemas.openxmlformats.org/officeDocument/2006/relationships" xmlns:p="http://schemas.openxmlformats.org/presentationml/2006/main">
+  <p:cSld>
+    <p:spTree>
+      <p:nvGrpSpPr>
+        <p:cNvPr id="1" name="">
+          <a:extLst>
+            <a:ext uri="{FF2B5EF4-FFF2-40B4-BE49-F238E27FC236}">
+              <a16:creationId xmlns:a16="http://schemas.microsoft.com/office/drawing/2014/main" id="{A118F09A-6037-18D7-5A81-71CED804A17B}"/>
+            </a:ext>
+          </a:extLst>
+        </p:cNvPr>
+        <p:cNvGrpSpPr/>
+        <p:nvPr/>
+      </p:nvGrpSpPr>
+      <p:grpSpPr>
+        <a:xfrm>
+          <a:off x="0" y="0"/>
+          <a:ext cx="0" cy="0"/>
+          <a:chOff x="0" y="0"/>
+          <a:chExt cx="0" cy="0"/>
+        </a:xfrm>
+      </p:grpSpPr>
+      <p:sp>
+        <p:nvSpPr>
+          <p:cNvPr id="5" name="內容版面配置區 4">
+            <a:extLst>
+              <a:ext uri="{FF2B5EF4-FFF2-40B4-BE49-F238E27FC236}">
+                <a16:creationId xmlns:a16="http://schemas.microsoft.com/office/drawing/2014/main" id="{AB11BA9F-E25B-6FC5-5CA4-54D0C12E30CA}"/>
+              </a:ext>
+            </a:extLst>
+          </p:cNvPr>
+          <p:cNvSpPr>
+            <a:spLocks noGrp="1"/>
+          </p:cNvSpPr>
+          <p:nvPr>
+            <p:ph idx="1"/>
+          </p:nvPr>
+        </p:nvSpPr>
+        <p:spPr>
+          <a:xfrm>
+            <a:off x="0" y="2084853"/>
+            <a:ext cx="12192000" cy="2404863"/>
+          </a:xfrm>
+        </p:spPr>
+        <p:txBody>
+          <a:bodyPr anchor="ctr">
+            <a:normAutofit/>
+          </a:bodyPr>
+          <a:lstStyle/>
+          <a:p>
+            <a:pPr marL="0" indent="0" algn="ctr">
+              <a:buNone/>
+            </a:pPr>
+            <a:r>
+              <a:rPr lang="zh-TW" altLang="en-US" sz="6400" b="1" dirty="0">
+                <a:solidFill>
+                  <a:srgbClr val="000066"/>
+                </a:solidFill>
+                <a:latin typeface="Microsoft JhengHei" panose="020B0604030504040204" pitchFamily="34" charset="-120"/>
+                <a:ea typeface="Microsoft JhengHei" panose="020B0604030504040204" pitchFamily="34" charset="-120"/>
+              </a:rPr>
+              <a:t>自我眼睛注定耶穌</a:t>
+            </a:r>
+          </a:p>
+          <a:p>
+            <a:pPr marL="0" indent="0" algn="ctr">
+              <a:buNone/>
+            </a:pPr>
+            <a:r>
+              <a:rPr lang="zh-TW" altLang="en-US" sz="6400" b="1" dirty="0">
+                <a:solidFill>
+                  <a:srgbClr val="000066"/>
+                </a:solidFill>
+                <a:latin typeface="Microsoft JhengHei" panose="020B0604030504040204" pitchFamily="34" charset="-120"/>
+                <a:ea typeface="Microsoft JhengHei" panose="020B0604030504040204" pitchFamily="34" charset="-120"/>
+              </a:rPr>
+              <a:t>世界富貴願丟棄</a:t>
+            </a:r>
+          </a:p>
+        </p:txBody>
+      </p:sp>
+      <p:sp>
+        <p:nvSpPr>
+          <p:cNvPr id="3" name="TextBox 2">
+            <a:extLst>
+              <a:ext uri="{FF2B5EF4-FFF2-40B4-BE49-F238E27FC236}">
+                <a16:creationId xmlns:a16="http://schemas.microsoft.com/office/drawing/2014/main" id="{28F5BBC5-1CC1-F22E-E7CD-064EF469CA21}"/>
+              </a:ext>
+            </a:extLst>
+          </p:cNvPr>
+          <p:cNvSpPr txBox="1"/>
+          <p:nvPr/>
+        </p:nvSpPr>
+        <p:spPr>
+          <a:xfrm>
+            <a:off x="0" y="5061183"/>
+            <a:ext cx="12192000" cy="666786"/>
+          </a:xfrm>
+          <a:prstGeom prst="rect">
+            <a:avLst/>
+          </a:prstGeom>
+          <a:noFill/>
+        </p:spPr>
+        <p:txBody>
+          <a:bodyPr wrap="square" rtlCol="0">
+            <a:spAutoFit/>
+          </a:bodyPr>
+          <a:lstStyle/>
+          <a:p>
+            <a:pPr algn="ctr"/>
+            <a:r>
+              <a:rPr lang="en-US" sz="3733" b="1" dirty="0">
+                <a:solidFill>
+                  <a:srgbClr val="000066"/>
+                </a:solidFill>
+              </a:rPr>
+              <a:t>( 4 / 4 )</a:t>
+            </a:r>
+            <a:endParaRPr lang="vi-VN" sz="3733" b="1" dirty="0">
+              <a:solidFill>
+                <a:srgbClr val="000066"/>
+              </a:solidFill>
+            </a:endParaRPr>
+          </a:p>
+        </p:txBody>
+      </p:sp>
+    </p:spTree>
+    <p:extLst>
+      <p:ext uri="{BB962C8B-B14F-4D97-AF65-F5344CB8AC3E}">
+        <p14:creationId xmlns:p14="http://schemas.microsoft.com/office/powerpoint/2010/main" val="3644245248"/>
+      </p:ext>
+    </p:extLst>
+  </p:cSld>
+  <p:clrMapOvr>
+    <a:masterClrMapping/>
+  </p:clrMapOvr>
+</p:sld>
+</file>
+
+<file path=ppt/slides/slide12.xml><?xml version="1.0" encoding="utf-8"?>
+<p:sld xmlns:a="http://schemas.openxmlformats.org/drawingml/2006/main" xmlns:r="http://schemas.openxmlformats.org/officeDocument/2006/relationships" xmlns:p="http://schemas.openxmlformats.org/presentationml/2006/main">
+  <p:cSld>
+    <p:spTree>
+      <p:nvGrpSpPr>
+        <p:cNvPr id="1" name="">
+          <a:extLst>
+            <a:ext uri="{FF2B5EF4-FFF2-40B4-BE49-F238E27FC236}">
+              <a16:creationId xmlns:a16="http://schemas.microsoft.com/office/drawing/2014/main" id="{45895FC8-122C-3DFA-B35F-F06957E97E47}"/>
+            </a:ext>
+          </a:extLst>
+        </p:cNvPr>
+        <p:cNvGrpSpPr/>
+        <p:nvPr/>
+      </p:nvGrpSpPr>
+      <p:grpSpPr>
+        <a:xfrm>
+          <a:off x="0" y="0"/>
+          <a:ext cx="0" cy="0"/>
+          <a:chOff x="0" y="0"/>
+          <a:chExt cx="0" cy="0"/>
+        </a:xfrm>
+      </p:grpSpPr>
+      <p:sp>
+        <p:nvSpPr>
+          <p:cNvPr id="5" name="內容版面配置區 4">
+            <a:extLst>
+              <a:ext uri="{FF2B5EF4-FFF2-40B4-BE49-F238E27FC236}">
+                <a16:creationId xmlns:a16="http://schemas.microsoft.com/office/drawing/2014/main" id="{C37BC75B-0F09-DD66-25B9-2AA520863B9A}"/>
+              </a:ext>
+            </a:extLst>
+          </p:cNvPr>
+          <p:cNvSpPr>
+            <a:spLocks noGrp="1"/>
+          </p:cNvSpPr>
+          <p:nvPr>
+            <p:ph idx="1"/>
+          </p:nvPr>
+        </p:nvSpPr>
+        <p:spPr>
+          <a:xfrm>
+            <a:off x="0" y="2084853"/>
+            <a:ext cx="12192000" cy="2404863"/>
+          </a:xfrm>
+        </p:spPr>
+        <p:txBody>
+          <a:bodyPr anchor="ctr">
+            <a:normAutofit/>
+          </a:bodyPr>
+          <a:lstStyle/>
+          <a:p>
+            <a:pPr marL="0" indent="0" algn="ctr">
+              <a:buNone/>
+            </a:pPr>
+            <a:r>
+              <a:rPr lang="zh-TW" altLang="en-US" sz="6400" b="1" dirty="0">
+                <a:solidFill>
+                  <a:srgbClr val="000066"/>
+                </a:solidFill>
+                <a:latin typeface="Microsoft JhengHei" panose="020B0604030504040204" pitchFamily="34" charset="-120"/>
+                <a:ea typeface="Microsoft JhengHei" panose="020B0604030504040204" pitchFamily="34" charset="-120"/>
+              </a:rPr>
+              <a:t>每逢想到十字寶架</a:t>
+            </a:r>
+          </a:p>
+          <a:p>
+            <a:pPr marL="0" indent="0" algn="ctr">
+              <a:buNone/>
+            </a:pPr>
+            <a:r>
+              <a:rPr lang="zh-TW" altLang="en-US" sz="6400" b="1" dirty="0">
+                <a:solidFill>
+                  <a:srgbClr val="000066"/>
+                </a:solidFill>
+                <a:latin typeface="Microsoft JhengHei" panose="020B0604030504040204" pitchFamily="34" charset="-120"/>
+                <a:ea typeface="Microsoft JhengHei" panose="020B0604030504040204" pitchFamily="34" charset="-120"/>
+              </a:rPr>
+              <a:t>我心真感恩無已</a:t>
+            </a:r>
+          </a:p>
+        </p:txBody>
+      </p:sp>
+      <p:sp>
+        <p:nvSpPr>
+          <p:cNvPr id="3" name="TextBox 2">
+            <a:extLst>
+              <a:ext uri="{FF2B5EF4-FFF2-40B4-BE49-F238E27FC236}">
+                <a16:creationId xmlns:a16="http://schemas.microsoft.com/office/drawing/2014/main" id="{5E2AB54B-CAAD-E708-F491-E6BF26B227AC}"/>
+              </a:ext>
+            </a:extLst>
+          </p:cNvPr>
+          <p:cNvSpPr txBox="1"/>
+          <p:nvPr/>
+        </p:nvSpPr>
+        <p:spPr>
+          <a:xfrm>
+            <a:off x="0" y="5061183"/>
+            <a:ext cx="12192000" cy="666786"/>
+          </a:xfrm>
+          <a:prstGeom prst="rect">
+            <a:avLst/>
+          </a:prstGeom>
+          <a:noFill/>
+        </p:spPr>
+        <p:txBody>
+          <a:bodyPr wrap="square" rtlCol="0">
+            <a:spAutoFit/>
+          </a:bodyPr>
+          <a:lstStyle/>
+          <a:p>
+            <a:pPr algn="ctr"/>
+            <a:r>
+              <a:rPr lang="en-US" sz="3733" b="1" dirty="0">
+                <a:solidFill>
+                  <a:srgbClr val="000066"/>
+                </a:solidFill>
+              </a:rPr>
+              <a:t>( 4 / 4 )</a:t>
+            </a:r>
+            <a:endParaRPr lang="vi-VN" sz="3733" b="1" dirty="0">
+              <a:solidFill>
+                <a:srgbClr val="000066"/>
+              </a:solidFill>
+            </a:endParaRPr>
+          </a:p>
+        </p:txBody>
+      </p:sp>
+    </p:spTree>
+    <p:extLst>
+      <p:ext uri="{BB962C8B-B14F-4D97-AF65-F5344CB8AC3E}">
+        <p14:creationId xmlns:p14="http://schemas.microsoft.com/office/powerpoint/2010/main" val="1568858635"/>
+      </p:ext>
+    </p:extLst>
+  </p:cSld>
+  <p:clrMapOvr>
+    <a:masterClrMapping/>
+  </p:clrMapOvr>
+</p:sld>
+</file>
+
+<file path=ppt/slides/slide13.xml><?xml version="1.0" encoding="utf-8"?>
+<p:sld xmlns:a="http://schemas.openxmlformats.org/drawingml/2006/main" xmlns:r="http://schemas.openxmlformats.org/officeDocument/2006/relationships" xmlns:p="http://schemas.openxmlformats.org/presentationml/2006/main">
+  <p:cSld>
+    <p:spTree>
+      <p:nvGrpSpPr>
+        <p:cNvPr id="1" name="">
+          <a:extLst>
+            <a:ext uri="{FF2B5EF4-FFF2-40B4-BE49-F238E27FC236}">
+              <a16:creationId xmlns:a16="http://schemas.microsoft.com/office/drawing/2014/main" id="{C3435A9F-3E79-70EA-F693-D453495CDC0B}"/>
+            </a:ext>
+          </a:extLst>
+        </p:cNvPr>
+        <p:cNvGrpSpPr/>
+        <p:nvPr/>
+      </p:nvGrpSpPr>
+      <p:grpSpPr>
+        <a:xfrm>
+          <a:off x="0" y="0"/>
+          <a:ext cx="0" cy="0"/>
+          <a:chOff x="0" y="0"/>
+          <a:chExt cx="0" cy="0"/>
+        </a:xfrm>
+      </p:grpSpPr>
+      <p:sp>
+        <p:nvSpPr>
+          <p:cNvPr id="5" name="內容版面配置區 4">
+            <a:extLst>
+              <a:ext uri="{FF2B5EF4-FFF2-40B4-BE49-F238E27FC236}">
+                <a16:creationId xmlns:a16="http://schemas.microsoft.com/office/drawing/2014/main" id="{0811F05B-042E-A0DC-D529-D20BB21531A7}"/>
+              </a:ext>
+            </a:extLst>
+          </p:cNvPr>
+          <p:cNvSpPr>
+            <a:spLocks noGrp="1"/>
+          </p:cNvSpPr>
+          <p:nvPr>
+            <p:ph idx="1"/>
+          </p:nvPr>
+        </p:nvSpPr>
+        <p:spPr>
+          <a:xfrm>
+            <a:off x="0" y="2084853"/>
+            <a:ext cx="12192000" cy="2404863"/>
+          </a:xfrm>
+        </p:spPr>
+        <p:txBody>
+          <a:bodyPr anchor="ctr">
+            <a:normAutofit/>
+          </a:bodyPr>
+          <a:lstStyle/>
+          <a:p>
+            <a:pPr marL="0" indent="0" algn="ctr">
+              <a:buNone/>
+            </a:pPr>
+            <a:r>
+              <a:rPr lang="zh-TW" altLang="en-US" sz="6400" b="1" dirty="0">
+                <a:solidFill>
+                  <a:srgbClr val="000066"/>
+                </a:solidFill>
+                <a:latin typeface="Microsoft JhengHei" panose="020B0604030504040204" pitchFamily="34" charset="-120"/>
+                <a:ea typeface="Microsoft JhengHei" panose="020B0604030504040204" pitchFamily="34" charset="-120"/>
+              </a:rPr>
+              <a:t>都歸耶穌   都歸耶穌</a:t>
+            </a:r>
+          </a:p>
+          <a:p>
+            <a:pPr marL="0" indent="0" algn="ctr">
+              <a:buNone/>
+            </a:pPr>
+            <a:r>
+              <a:rPr lang="zh-TW" altLang="en-US" sz="6400" b="1" dirty="0">
+                <a:solidFill>
+                  <a:srgbClr val="000066"/>
+                </a:solidFill>
+                <a:latin typeface="Microsoft JhengHei" panose="020B0604030504040204" pitchFamily="34" charset="-120"/>
+                <a:ea typeface="Microsoft JhengHei" panose="020B0604030504040204" pitchFamily="34" charset="-120"/>
+              </a:rPr>
+              <a:t>我願全身都歸主</a:t>
+            </a:r>
+          </a:p>
+        </p:txBody>
+      </p:sp>
+      <p:sp>
+        <p:nvSpPr>
+          <p:cNvPr id="2" name="TextBox 1">
+            <a:extLst>
+              <a:ext uri="{FF2B5EF4-FFF2-40B4-BE49-F238E27FC236}">
+                <a16:creationId xmlns:a16="http://schemas.microsoft.com/office/drawing/2014/main" id="{EBFB2216-DBE3-9DDF-C8C8-755E0AE509AA}"/>
+              </a:ext>
+            </a:extLst>
+          </p:cNvPr>
+          <p:cNvSpPr txBox="1"/>
+          <p:nvPr/>
+        </p:nvSpPr>
+        <p:spPr>
+          <a:xfrm>
+            <a:off x="0" y="5061183"/>
+            <a:ext cx="12192000" cy="666786"/>
+          </a:xfrm>
+          <a:prstGeom prst="rect">
+            <a:avLst/>
+          </a:prstGeom>
+          <a:noFill/>
+        </p:spPr>
+        <p:txBody>
+          <a:bodyPr wrap="square" rtlCol="0">
+            <a:spAutoFit/>
+          </a:bodyPr>
+          <a:lstStyle/>
+          <a:p>
+            <a:pPr algn="ctr"/>
+            <a:r>
+              <a:rPr lang="en-US" sz="3733" b="1" dirty="0">
+                <a:solidFill>
+                  <a:srgbClr val="000066"/>
+                </a:solidFill>
+                <a:latin typeface="Microsoft JhengHei" panose="020B0604030504040204" pitchFamily="34" charset="-120"/>
+                <a:ea typeface="Microsoft JhengHei" panose="020B0604030504040204" pitchFamily="34" charset="-120"/>
+              </a:rPr>
+              <a:t>( 2 </a:t>
+            </a:r>
+            <a:r>
+              <a:rPr lang="zh-CN" altLang="en-US" sz="3733" b="1" dirty="0">
+                <a:solidFill>
+                  <a:srgbClr val="000066"/>
+                </a:solidFill>
+                <a:latin typeface="Microsoft JhengHei" panose="020B0604030504040204" pitchFamily="34" charset="-120"/>
+                <a:ea typeface="Microsoft JhengHei" panose="020B0604030504040204" pitchFamily="34" charset="-120"/>
+              </a:rPr>
+              <a:t>次 </a:t>
+            </a:r>
+            <a:r>
+              <a:rPr lang="en-US" sz="3733" b="1" dirty="0">
+                <a:solidFill>
+                  <a:srgbClr val="000066"/>
+                </a:solidFill>
+                <a:latin typeface="Microsoft JhengHei" panose="020B0604030504040204" pitchFamily="34" charset="-120"/>
+                <a:ea typeface="Microsoft JhengHei" panose="020B0604030504040204" pitchFamily="34" charset="-120"/>
+              </a:rPr>
+              <a:t>)</a:t>
+            </a:r>
+            <a:endParaRPr lang="vi-VN" sz="3733" b="1" dirty="0">
+              <a:solidFill>
+                <a:srgbClr val="000066"/>
+              </a:solidFill>
+              <a:ea typeface="Microsoft JhengHei" panose="020B0604030504040204" pitchFamily="34" charset="-120"/>
+            </a:endParaRPr>
+          </a:p>
+        </p:txBody>
+      </p:sp>
+    </p:spTree>
+    <p:extLst>
+      <p:ext uri="{BB962C8B-B14F-4D97-AF65-F5344CB8AC3E}">
+        <p14:creationId xmlns:p14="http://schemas.microsoft.com/office/powerpoint/2010/main" val="881713038"/>
       </p:ext>
     </p:extLst>
   </p:cSld>
@@ -3920,93 +4473,48 @@
       </p:grpSpPr>
       <p:sp>
         <p:nvSpPr>
-          <p:cNvPr id="4" name="Title 3"/>
-          <p:cNvSpPr>
-            <a:spLocks noGrp="1"/>
-          </p:cNvSpPr>
-          <p:nvPr>
-            <p:ph type="title"/>
-          </p:nvPr>
-        </p:nvSpPr>
-        <p:spPr/>
-        <p:txBody>
-          <a:bodyPr>
+          <p:cNvPr id="5" name="內容版面配置區 4"/>
+          <p:cNvSpPr>
+            <a:spLocks noGrp="1"/>
+          </p:cNvSpPr>
+          <p:nvPr>
+            <p:ph idx="1"/>
+          </p:nvPr>
+        </p:nvSpPr>
+        <p:spPr>
+          <a:xfrm>
+            <a:off x="0" y="2084853"/>
+            <a:ext cx="12192000" cy="2404863"/>
+          </a:xfrm>
+        </p:spPr>
+        <p:txBody>
+          <a:bodyPr anchor="ctr">
             <a:normAutofit/>
           </a:bodyPr>
           <a:lstStyle/>
           <a:p>
-            <a:r>
-              <a:rPr lang="en-US" altLang="zh-CN" sz="4800" b="1" dirty="0">
-                <a:solidFill>
-                  <a:srgbClr val="002060"/>
+            <a:pPr marL="0" indent="0" algn="ctr">
+              <a:buNone/>
+            </a:pPr>
+            <a:r>
+              <a:rPr lang="zh-TW" altLang="en-US" sz="6400" b="1" dirty="0">
+                <a:solidFill>
+                  <a:srgbClr val="000066"/>
                 </a:solidFill>
                 <a:latin typeface="Microsoft JhengHei" panose="020B0604030504040204" pitchFamily="34" charset="-120"/>
                 <a:ea typeface="Microsoft JhengHei" panose="020B0604030504040204" pitchFamily="34" charset="-120"/>
               </a:rPr>
-              <a:t>【</a:t>
-            </a:r>
-            <a:r>
-              <a:rPr lang="zh-CN" altLang="en-US" sz="4800" b="1" dirty="0">
-                <a:solidFill>
-                  <a:srgbClr val="002060"/>
-                </a:solidFill>
-                <a:latin typeface="Microsoft JhengHei" panose="020B0604030504040204" pitchFamily="34" charset="-120"/>
-                <a:ea typeface="Microsoft JhengHei" panose="020B0604030504040204" pitchFamily="34" charset="-120"/>
-              </a:rPr>
-              <a:t>都歸耶穌</a:t>
-            </a:r>
-            <a:r>
-              <a:rPr lang="en-US" altLang="zh-CN" sz="4800" b="1" dirty="0">
-                <a:solidFill>
-                  <a:srgbClr val="002060"/>
-                </a:solidFill>
-                <a:latin typeface="Microsoft JhengHei" panose="020B0604030504040204" pitchFamily="34" charset="-120"/>
-                <a:ea typeface="Microsoft JhengHei" panose="020B0604030504040204" pitchFamily="34" charset="-120"/>
-              </a:rPr>
-              <a:t>】</a:t>
-            </a:r>
-          </a:p>
-        </p:txBody>
-      </p:sp>
-      <p:sp>
-        <p:nvSpPr>
-          <p:cNvPr id="5" name="Content Placeholder 4"/>
-          <p:cNvSpPr>
-            <a:spLocks noGrp="1"/>
-          </p:cNvSpPr>
-          <p:nvPr>
-            <p:ph idx="1"/>
-          </p:nvPr>
-        </p:nvSpPr>
-        <p:spPr/>
-        <p:txBody>
-          <a:bodyPr>
-            <a:normAutofit/>
-          </a:bodyPr>
-          <a:lstStyle/>
+              <a:t>都歸耶穌都歸耶穌</a:t>
+            </a:r>
+          </a:p>
           <a:p>
             <a:pPr marL="0" indent="0" algn="ctr">
               <a:buNone/>
             </a:pPr>
             <a:r>
-              <a:rPr lang="zh-TW" altLang="en-US" sz="5400" b="1" dirty="0">
-                <a:solidFill>
-                  <a:srgbClr val="002060"/>
-                </a:solidFill>
-                <a:latin typeface="Microsoft JhengHei" panose="020B0604030504040204" pitchFamily="34" charset="-120"/>
-                <a:ea typeface="Microsoft JhengHei" panose="020B0604030504040204" pitchFamily="34" charset="-120"/>
-              </a:rPr>
-              <a:t>都歸耶穌   都歸耶穌</a:t>
-            </a:r>
-          </a:p>
-          <a:p>
-            <a:pPr marL="0" indent="0" algn="ctr">
-              <a:buNone/>
-            </a:pPr>
-            <a:r>
-              <a:rPr lang="zh-TW" altLang="en-US" sz="5400" b="1" dirty="0">
-                <a:solidFill>
-                  <a:srgbClr val="002060"/>
+              <a:rPr lang="zh-TW" altLang="en-US" sz="6400" b="1" dirty="0">
+                <a:solidFill>
+                  <a:srgbClr val="000066"/>
                 </a:solidFill>
                 <a:latin typeface="Microsoft JhengHei" panose="020B0604030504040204" pitchFamily="34" charset="-120"/>
                 <a:ea typeface="Microsoft JhengHei" panose="020B0604030504040204" pitchFamily="34" charset="-120"/>
@@ -4014,42 +4522,51 @@
               <a:t>我願全身都歸主</a:t>
             </a:r>
           </a:p>
-          <a:p>
-            <a:pPr marL="0" indent="0" algn="ctr">
-              <a:buNone/>
-            </a:pPr>
-            <a:r>
-              <a:rPr lang="zh-TW" altLang="en-US" sz="5400" b="1" dirty="0">
-                <a:solidFill>
-                  <a:srgbClr val="002060"/>
-                </a:solidFill>
-                <a:latin typeface="Microsoft JhengHei" panose="020B0604030504040204" pitchFamily="34" charset="-120"/>
-                <a:ea typeface="Microsoft JhengHei" panose="020B0604030504040204" pitchFamily="34" charset="-120"/>
+        </p:txBody>
+      </p:sp>
+      <p:sp>
+        <p:nvSpPr>
+          <p:cNvPr id="3" name="TextBox 2"/>
+          <p:cNvSpPr txBox="1"/>
+          <p:nvPr/>
+        </p:nvSpPr>
+        <p:spPr>
+          <a:xfrm>
+            <a:off x="0" y="5061183"/>
+            <a:ext cx="12192000" cy="666786"/>
+          </a:xfrm>
+          <a:prstGeom prst="rect">
+            <a:avLst/>
+          </a:prstGeom>
+          <a:noFill/>
+        </p:spPr>
+        <p:txBody>
+          <a:bodyPr wrap="square" rtlCol="0">
+            <a:spAutoFit/>
+          </a:bodyPr>
+          <a:lstStyle/>
+          <a:p>
+            <a:pPr algn="ctr"/>
+            <a:r>
+              <a:rPr lang="en-US" sz="3733" b="1" dirty="0">
+                <a:solidFill>
+                  <a:srgbClr val="000066"/>
+                </a:solidFill>
               </a:rPr>
-              <a:t>都歸耶穌   都歸耶穌</a:t>
-            </a:r>
-          </a:p>
-          <a:p>
-            <a:pPr marL="0" indent="0" algn="ctr">
-              <a:buNone/>
-            </a:pPr>
-            <a:r>
-              <a:rPr lang="zh-TW" altLang="en-US" sz="5400" b="1" dirty="0">
-                <a:solidFill>
-                  <a:srgbClr val="002060"/>
-                </a:solidFill>
-                <a:latin typeface="Microsoft JhengHei" panose="020B0604030504040204" pitchFamily="34" charset="-120"/>
-                <a:ea typeface="Microsoft JhengHei" panose="020B0604030504040204" pitchFamily="34" charset="-120"/>
-              </a:rPr>
-              <a:t>我願全身都歸主</a:t>
-            </a:r>
+              <a:t>( 1 / 4 )</a:t>
+            </a:r>
+            <a:endParaRPr lang="vi-VN" sz="3733" b="1" dirty="0">
+              <a:solidFill>
+                <a:srgbClr val="000066"/>
+              </a:solidFill>
+            </a:endParaRPr>
           </a:p>
         </p:txBody>
       </p:sp>
     </p:spTree>
     <p:extLst>
       <p:ext uri="{BB962C8B-B14F-4D97-AF65-F5344CB8AC3E}">
-        <p14:creationId xmlns:p14="http://schemas.microsoft.com/office/powerpoint/2010/main" val="2091852978"/>
+        <p14:creationId xmlns:p14="http://schemas.microsoft.com/office/powerpoint/2010/main" val="2358065495"/>
       </p:ext>
     </p:extLst>
   </p:cSld>
@@ -4064,7 +4581,13 @@
   <p:cSld>
     <p:spTree>
       <p:nvGrpSpPr>
-        <p:cNvPr id="1" name=""/>
+        <p:cNvPr id="1" name="">
+          <a:extLst>
+            <a:ext uri="{FF2B5EF4-FFF2-40B4-BE49-F238E27FC236}">
+              <a16:creationId xmlns:a16="http://schemas.microsoft.com/office/drawing/2014/main" id="{320AC718-8F63-0DE0-AB44-65734E21F2DF}"/>
+            </a:ext>
+          </a:extLst>
+        </p:cNvPr>
         <p:cNvGrpSpPr/>
         <p:nvPr/>
       </p:nvGrpSpPr>
@@ -4078,178 +4601,103 @@
       </p:grpSpPr>
       <p:sp>
         <p:nvSpPr>
-          <p:cNvPr id="4" name="Title 3"/>
-          <p:cNvSpPr>
-            <a:spLocks noGrp="1"/>
-          </p:cNvSpPr>
-          <p:nvPr>
-            <p:ph type="title"/>
-          </p:nvPr>
-        </p:nvSpPr>
-        <p:spPr/>
-        <p:txBody>
-          <a:bodyPr>
+          <p:cNvPr id="5" name="內容版面配置區 4">
+            <a:extLst>
+              <a:ext uri="{FF2B5EF4-FFF2-40B4-BE49-F238E27FC236}">
+                <a16:creationId xmlns:a16="http://schemas.microsoft.com/office/drawing/2014/main" id="{4B33A872-D05F-F5D8-FECB-218BBAEF5D9C}"/>
+              </a:ext>
+            </a:extLst>
+          </p:cNvPr>
+          <p:cNvSpPr>
+            <a:spLocks noGrp="1"/>
+          </p:cNvSpPr>
+          <p:nvPr>
+            <p:ph idx="1"/>
+          </p:nvPr>
+        </p:nvSpPr>
+        <p:spPr>
+          <a:xfrm>
+            <a:off x="0" y="2084853"/>
+            <a:ext cx="12192000" cy="2404863"/>
+          </a:xfrm>
+        </p:spPr>
+        <p:txBody>
+          <a:bodyPr anchor="ctr">
             <a:normAutofit/>
           </a:bodyPr>
           <a:lstStyle/>
           <a:p>
-            <a:r>
-              <a:rPr lang="en-US" altLang="zh-CN" sz="4800" b="1" dirty="0">
-                <a:solidFill>
-                  <a:srgbClr val="002060"/>
+            <a:pPr marL="0" indent="0" algn="ctr">
+              <a:buNone/>
+            </a:pPr>
+            <a:r>
+              <a:rPr lang="zh-TW" altLang="en-US" sz="6400" b="1" dirty="0">
+                <a:solidFill>
+                  <a:srgbClr val="000066"/>
                 </a:solidFill>
                 <a:latin typeface="Microsoft JhengHei" panose="020B0604030504040204" pitchFamily="34" charset="-120"/>
                 <a:ea typeface="Microsoft JhengHei" panose="020B0604030504040204" pitchFamily="34" charset="-120"/>
               </a:rPr>
-              <a:t>【</a:t>
-            </a:r>
-            <a:r>
-              <a:rPr lang="zh-CN" altLang="en-US" sz="4800" b="1" dirty="0">
-                <a:solidFill>
-                  <a:srgbClr val="002060"/>
+              <a:t>才智力量言語行為</a:t>
+            </a:r>
+          </a:p>
+          <a:p>
+            <a:pPr marL="0" indent="0" algn="ctr">
+              <a:buNone/>
+            </a:pPr>
+            <a:r>
+              <a:rPr lang="zh-TW" altLang="en-US" sz="6400" b="1" dirty="0">
+                <a:solidFill>
+                  <a:srgbClr val="000066"/>
                 </a:solidFill>
                 <a:latin typeface="Microsoft JhengHei" panose="020B0604030504040204" pitchFamily="34" charset="-120"/>
                 <a:ea typeface="Microsoft JhengHei" panose="020B0604030504040204" pitchFamily="34" charset="-120"/>
               </a:rPr>
-              <a:t>都歸耶穌</a:t>
-            </a:r>
-            <a:r>
-              <a:rPr lang="en-US" altLang="zh-CN" sz="4800" b="1" dirty="0">
-                <a:solidFill>
-                  <a:srgbClr val="002060"/>
-                </a:solidFill>
-                <a:latin typeface="Microsoft JhengHei" panose="020B0604030504040204" pitchFamily="34" charset="-120"/>
-                <a:ea typeface="Microsoft JhengHei" panose="020B0604030504040204" pitchFamily="34" charset="-120"/>
-              </a:rPr>
-              <a:t>】</a:t>
-            </a:r>
-          </a:p>
-        </p:txBody>
-      </p:sp>
-      <p:sp>
-        <p:nvSpPr>
-          <p:cNvPr id="5" name="Content Placeholder 4"/>
-          <p:cNvSpPr>
-            <a:spLocks noGrp="1"/>
-          </p:cNvSpPr>
-          <p:nvPr>
-            <p:ph idx="1"/>
-          </p:nvPr>
-        </p:nvSpPr>
-        <p:spPr/>
-        <p:txBody>
-          <a:bodyPr>
-            <a:normAutofit/>
-          </a:bodyPr>
-          <a:lstStyle/>
-          <a:p>
-            <a:pPr marL="0" indent="0" algn="ctr">
-              <a:buNone/>
-            </a:pPr>
-            <a:r>
-              <a:rPr lang="zh-TW" altLang="en-US" sz="5400" b="1" dirty="0">
-                <a:solidFill>
-                  <a:srgbClr val="002060"/>
-                </a:solidFill>
-                <a:latin typeface="Microsoft JhengHei" panose="020B0604030504040204" pitchFamily="34" charset="-120"/>
-                <a:ea typeface="Microsoft JhengHei" panose="020B0604030504040204" pitchFamily="34" charset="-120"/>
-              </a:rPr>
-              <a:t>願我雙手替主辦事</a:t>
-            </a:r>
-          </a:p>
-          <a:p>
-            <a:pPr marL="0" indent="0" algn="ctr">
-              <a:buNone/>
-            </a:pPr>
-            <a:r>
-              <a:rPr lang="zh-TW" altLang="en-US" sz="5400" b="1" dirty="0">
-                <a:solidFill>
-                  <a:srgbClr val="002060"/>
-                </a:solidFill>
-                <a:latin typeface="Microsoft JhengHei" panose="020B0604030504040204" pitchFamily="34" charset="-120"/>
-                <a:ea typeface="Microsoft JhengHei" panose="020B0604030504040204" pitchFamily="34" charset="-120"/>
-              </a:rPr>
-              <a:t>願我兩足跟主行</a:t>
-            </a:r>
-          </a:p>
-          <a:p>
-            <a:pPr marL="0" indent="0" algn="ctr">
-              <a:buNone/>
-            </a:pPr>
-            <a:r>
-              <a:rPr lang="zh-TW" altLang="en-US" sz="5400" b="1" dirty="0">
-                <a:solidFill>
-                  <a:srgbClr val="002060"/>
-                </a:solidFill>
-                <a:latin typeface="Microsoft JhengHei" panose="020B0604030504040204" pitchFamily="34" charset="-120"/>
-                <a:ea typeface="Microsoft JhengHei" panose="020B0604030504040204" pitchFamily="34" charset="-120"/>
-              </a:rPr>
-              <a:t>願我雙目仰望耶穌</a:t>
-            </a:r>
-          </a:p>
-          <a:p>
-            <a:pPr marL="0" indent="0" algn="ctr">
-              <a:buNone/>
-            </a:pPr>
-            <a:r>
-              <a:rPr lang="zh-TW" altLang="en-US" sz="5400" b="1" dirty="0">
-                <a:solidFill>
-                  <a:srgbClr val="002060"/>
-                </a:solidFill>
-                <a:latin typeface="Microsoft JhengHei" panose="020B0604030504040204" pitchFamily="34" charset="-120"/>
-                <a:ea typeface="Microsoft JhengHei" panose="020B0604030504040204" pitchFamily="34" charset="-120"/>
-              </a:rPr>
-              <a:t>願我口舌頌主名</a:t>
-            </a:r>
-          </a:p>
-        </p:txBody>
-      </p:sp>
-      <p:sp>
-        <p:nvSpPr>
-          <p:cNvPr id="6" name="Text Box 1"/>
+              <a:t>都歸耶穌我救主</a:t>
+            </a:r>
+          </a:p>
+        </p:txBody>
+      </p:sp>
+      <p:sp>
+        <p:nvSpPr>
+          <p:cNvPr id="3" name="TextBox 2">
+            <a:extLst>
+              <a:ext uri="{FF2B5EF4-FFF2-40B4-BE49-F238E27FC236}">
+                <a16:creationId xmlns:a16="http://schemas.microsoft.com/office/drawing/2014/main" id="{CEAB2308-91B6-AC31-ED5A-F949D309FE17}"/>
+              </a:ext>
+            </a:extLst>
+          </p:cNvPr>
           <p:cNvSpPr txBox="1"/>
           <p:nvPr/>
         </p:nvSpPr>
         <p:spPr>
           <a:xfrm>
-            <a:off x="1415480" y="1700808"/>
-            <a:ext cx="911424" cy="923330"/>
+            <a:off x="0" y="5061183"/>
+            <a:ext cx="12192000" cy="666786"/>
           </a:xfrm>
           <a:prstGeom prst="rect">
             <a:avLst/>
           </a:prstGeom>
           <a:noFill/>
-          <a:ln w="9525">
-            <a:noFill/>
-            <a:miter lim="800000"/>
-          </a:ln>
         </p:spPr>
         <p:txBody>
-          <a:bodyPr wrap="square">
+          <a:bodyPr wrap="square" rtlCol="0">
             <a:spAutoFit/>
           </a:bodyPr>
           <a:lstStyle/>
           <a:p>
             <a:pPr algn="ctr"/>
             <a:r>
-              <a:rPr lang="en-US" sz="5400" b="1" dirty="0">
-                <a:solidFill>
-                  <a:srgbClr val="002060"/>
+              <a:rPr lang="en-US" sz="3733" b="1" dirty="0">
+                <a:solidFill>
+                  <a:srgbClr val="000066"/>
                 </a:solidFill>
               </a:rPr>
-              <a:t>2</a:t>
-            </a:r>
-            <a:r>
-              <a:rPr lang="en-US" sz="5400" b="1" dirty="0" smtClean="0">
-                <a:solidFill>
-                  <a:srgbClr val="002060"/>
-                </a:solidFill>
-              </a:rPr>
-              <a:t>.</a:t>
-            </a:r>
-            <a:endParaRPr lang="en-US" sz="5400" b="1" dirty="0">
+              <a:t>( 1 / 4 )</a:t>
+            </a:r>
+            <a:endParaRPr lang="vi-VN" sz="3733" b="1" dirty="0">
               <a:solidFill>
-                <a:srgbClr val="002060"/>
+                <a:srgbClr val="000066"/>
               </a:solidFill>
             </a:endParaRPr>
           </a:p>
@@ -4258,7 +4706,7 @@
     </p:spTree>
     <p:extLst>
       <p:ext uri="{BB962C8B-B14F-4D97-AF65-F5344CB8AC3E}">
-        <p14:creationId xmlns:p14="http://schemas.microsoft.com/office/powerpoint/2010/main" val="3969834792"/>
+        <p14:creationId xmlns:p14="http://schemas.microsoft.com/office/powerpoint/2010/main" val="1461961614"/>
       </p:ext>
     </p:extLst>
   </p:cSld>
@@ -4273,7 +4721,13 @@
   <p:cSld>
     <p:spTree>
       <p:nvGrpSpPr>
-        <p:cNvPr id="1" name=""/>
+        <p:cNvPr id="1" name="">
+          <a:extLst>
+            <a:ext uri="{FF2B5EF4-FFF2-40B4-BE49-F238E27FC236}">
+              <a16:creationId xmlns:a16="http://schemas.microsoft.com/office/drawing/2014/main" id="{93008C0E-211B-6384-AE17-26A556687578}"/>
+            </a:ext>
+          </a:extLst>
+        </p:cNvPr>
         <p:cNvGrpSpPr/>
         <p:nvPr/>
       </p:nvGrpSpPr>
@@ -4287,78 +4741,39 @@
       </p:grpSpPr>
       <p:sp>
         <p:nvSpPr>
-          <p:cNvPr id="4" name="Title 3"/>
-          <p:cNvSpPr>
-            <a:spLocks noGrp="1"/>
-          </p:cNvSpPr>
-          <p:nvPr>
-            <p:ph type="title"/>
-          </p:nvPr>
-        </p:nvSpPr>
-        <p:spPr/>
-        <p:txBody>
-          <a:bodyPr>
+          <p:cNvPr id="5" name="內容版面配置區 4">
+            <a:extLst>
+              <a:ext uri="{FF2B5EF4-FFF2-40B4-BE49-F238E27FC236}">
+                <a16:creationId xmlns:a16="http://schemas.microsoft.com/office/drawing/2014/main" id="{2B969B0D-44FD-D360-2160-0772BDB7BF75}"/>
+              </a:ext>
+            </a:extLst>
+          </p:cNvPr>
+          <p:cNvSpPr>
+            <a:spLocks noGrp="1"/>
+          </p:cNvSpPr>
+          <p:nvPr>
+            <p:ph idx="1"/>
+          </p:nvPr>
+        </p:nvSpPr>
+        <p:spPr>
+          <a:xfrm>
+            <a:off x="0" y="2084853"/>
+            <a:ext cx="12192000" cy="2404863"/>
+          </a:xfrm>
+        </p:spPr>
+        <p:txBody>
+          <a:bodyPr anchor="ctr">
             <a:normAutofit/>
           </a:bodyPr>
           <a:lstStyle/>
           <a:p>
-            <a:r>
-              <a:rPr lang="en-US" altLang="zh-CN" sz="4800" b="1" dirty="0">
-                <a:solidFill>
-                  <a:srgbClr val="002060"/>
-                </a:solidFill>
-                <a:latin typeface="Microsoft JhengHei" panose="020B0604030504040204" pitchFamily="34" charset="-120"/>
-                <a:ea typeface="Microsoft JhengHei" panose="020B0604030504040204" pitchFamily="34" charset="-120"/>
-              </a:rPr>
-              <a:t>【</a:t>
-            </a:r>
-            <a:r>
-              <a:rPr lang="zh-CN" altLang="en-US" sz="4800" b="1" dirty="0">
-                <a:solidFill>
-                  <a:srgbClr val="002060"/>
-                </a:solidFill>
-                <a:latin typeface="Microsoft JhengHei" panose="020B0604030504040204" pitchFamily="34" charset="-120"/>
-                <a:ea typeface="Microsoft JhengHei" panose="020B0604030504040204" pitchFamily="34" charset="-120"/>
-              </a:rPr>
-              <a:t>都歸耶穌</a:t>
-            </a:r>
-            <a:r>
-              <a:rPr lang="en-US" altLang="zh-CN" sz="4800" b="1" dirty="0">
-                <a:solidFill>
-                  <a:srgbClr val="002060"/>
-                </a:solidFill>
-                <a:latin typeface="Microsoft JhengHei" panose="020B0604030504040204" pitchFamily="34" charset="-120"/>
-                <a:ea typeface="Microsoft JhengHei" panose="020B0604030504040204" pitchFamily="34" charset="-120"/>
-              </a:rPr>
-              <a:t>】</a:t>
-            </a:r>
-          </a:p>
-        </p:txBody>
-      </p:sp>
-      <p:sp>
-        <p:nvSpPr>
-          <p:cNvPr id="5" name="Content Placeholder 4"/>
-          <p:cNvSpPr>
-            <a:spLocks noGrp="1"/>
-          </p:cNvSpPr>
-          <p:nvPr>
-            <p:ph idx="1"/>
-          </p:nvPr>
-        </p:nvSpPr>
-        <p:spPr/>
-        <p:txBody>
-          <a:bodyPr>
-            <a:normAutofit/>
-          </a:bodyPr>
-          <a:lstStyle/>
-          <a:p>
             <a:pPr marL="0" indent="0" algn="ctr">
               <a:buNone/>
             </a:pPr>
             <a:r>
-              <a:rPr lang="zh-TW" altLang="en-US" sz="5400" b="1" dirty="0">
-                <a:solidFill>
-                  <a:srgbClr val="002060"/>
+              <a:rPr lang="zh-TW" altLang="en-US" sz="6400" b="1" dirty="0">
+                <a:solidFill>
+                  <a:srgbClr val="000066"/>
                 </a:solidFill>
                 <a:latin typeface="Microsoft JhengHei" panose="020B0604030504040204" pitchFamily="34" charset="-120"/>
                 <a:ea typeface="Microsoft JhengHei" panose="020B0604030504040204" pitchFamily="34" charset="-120"/>
@@ -4371,9 +4786,9 @@
               <a:buNone/>
             </a:pPr>
             <a:r>
-              <a:rPr lang="zh-TW" altLang="en-US" sz="5400" b="1" dirty="0">
-                <a:solidFill>
-                  <a:srgbClr val="002060"/>
+              <a:rPr lang="zh-TW" altLang="en-US" sz="6400" b="1" dirty="0">
+                <a:solidFill>
+                  <a:srgbClr val="000066"/>
                 </a:solidFill>
                 <a:latin typeface="Microsoft JhengHei" panose="020B0604030504040204" pitchFamily="34" charset="-120"/>
                 <a:ea typeface="Microsoft JhengHei" panose="020B0604030504040204" pitchFamily="34" charset="-120"/>
@@ -4381,42 +4796,80 @@
               <a:t>我願全身都歸主</a:t>
             </a:r>
           </a:p>
-          <a:p>
-            <a:pPr marL="0" indent="0" algn="ctr">
-              <a:buNone/>
-            </a:pPr>
-            <a:r>
-              <a:rPr lang="zh-TW" altLang="en-US" sz="5400" b="1" dirty="0">
-                <a:solidFill>
-                  <a:srgbClr val="002060"/>
+        </p:txBody>
+      </p:sp>
+      <p:sp>
+        <p:nvSpPr>
+          <p:cNvPr id="2" name="TextBox 1">
+            <a:extLst>
+              <a:ext uri="{FF2B5EF4-FFF2-40B4-BE49-F238E27FC236}">
+                <a16:creationId xmlns:a16="http://schemas.microsoft.com/office/drawing/2014/main" id="{2233BA02-B777-4AB6-326A-E7A8313235CC}"/>
+              </a:ext>
+            </a:extLst>
+          </p:cNvPr>
+          <p:cNvSpPr txBox="1"/>
+          <p:nvPr/>
+        </p:nvSpPr>
+        <p:spPr>
+          <a:xfrm>
+            <a:off x="0" y="5061183"/>
+            <a:ext cx="12192000" cy="666786"/>
+          </a:xfrm>
+          <a:prstGeom prst="rect">
+            <a:avLst/>
+          </a:prstGeom>
+          <a:noFill/>
+        </p:spPr>
+        <p:txBody>
+          <a:bodyPr wrap="square" rtlCol="0">
+            <a:spAutoFit/>
+          </a:bodyPr>
+          <a:lstStyle/>
+          <a:p>
+            <a:pPr algn="ctr"/>
+            <a:r>
+              <a:rPr lang="en-US" sz="3733" b="1" dirty="0">
+                <a:solidFill>
+                  <a:srgbClr val="000066"/>
                 </a:solidFill>
                 <a:latin typeface="Microsoft JhengHei" panose="020B0604030504040204" pitchFamily="34" charset="-120"/>
                 <a:ea typeface="Microsoft JhengHei" panose="020B0604030504040204" pitchFamily="34" charset="-120"/>
               </a:rPr>
-              <a:t>都歸耶穌   都歸耶穌</a:t>
-            </a:r>
-          </a:p>
-          <a:p>
-            <a:pPr marL="0" indent="0" algn="ctr">
-              <a:buNone/>
-            </a:pPr>
-            <a:r>
-              <a:rPr lang="zh-TW" altLang="en-US" sz="5400" b="1" dirty="0">
-                <a:solidFill>
-                  <a:srgbClr val="002060"/>
+              <a:t>( 2 </a:t>
+            </a:r>
+            <a:r>
+              <a:rPr lang="zh-CN" altLang="en-US" sz="3733" b="1" dirty="0">
+                <a:solidFill>
+                  <a:srgbClr val="000066"/>
                 </a:solidFill>
                 <a:latin typeface="Microsoft JhengHei" panose="020B0604030504040204" pitchFamily="34" charset="-120"/>
                 <a:ea typeface="Microsoft JhengHei" panose="020B0604030504040204" pitchFamily="34" charset="-120"/>
               </a:rPr>
-              <a:t>我願全身都歸主</a:t>
-            </a:r>
+              <a:t>次 </a:t>
+            </a:r>
+            <a:r>
+              <a:rPr lang="en-US" sz="3733" b="1" dirty="0">
+                <a:solidFill>
+                  <a:srgbClr val="000066"/>
+                </a:solidFill>
+                <a:latin typeface="Microsoft JhengHei" panose="020B0604030504040204" pitchFamily="34" charset="-120"/>
+                <a:ea typeface="Microsoft JhengHei" panose="020B0604030504040204" pitchFamily="34" charset="-120"/>
+              </a:rPr>
+              <a:t>)</a:t>
+            </a:r>
+            <a:endParaRPr lang="vi-VN" sz="3733" b="1" dirty="0">
+              <a:solidFill>
+                <a:srgbClr val="000066"/>
+              </a:solidFill>
+              <a:ea typeface="Microsoft JhengHei" panose="020B0604030504040204" pitchFamily="34" charset="-120"/>
+            </a:endParaRPr>
           </a:p>
         </p:txBody>
       </p:sp>
     </p:spTree>
     <p:extLst>
       <p:ext uri="{BB962C8B-B14F-4D97-AF65-F5344CB8AC3E}">
-        <p14:creationId xmlns:p14="http://schemas.microsoft.com/office/powerpoint/2010/main" val="4007452071"/>
+        <p14:creationId xmlns:p14="http://schemas.microsoft.com/office/powerpoint/2010/main" val="2509363510"/>
       </p:ext>
     </p:extLst>
   </p:cSld>
@@ -4431,7 +4884,13 @@
   <p:cSld>
     <p:spTree>
       <p:nvGrpSpPr>
-        <p:cNvPr id="1" name=""/>
+        <p:cNvPr id="1" name="">
+          <a:extLst>
+            <a:ext uri="{FF2B5EF4-FFF2-40B4-BE49-F238E27FC236}">
+              <a16:creationId xmlns:a16="http://schemas.microsoft.com/office/drawing/2014/main" id="{4886D164-2B6A-69FC-202C-9A3C2F2E0E7E}"/>
+            </a:ext>
+          </a:extLst>
+        </p:cNvPr>
         <p:cNvGrpSpPr/>
         <p:nvPr/>
       </p:nvGrpSpPr>
@@ -4445,178 +4904,103 @@
       </p:grpSpPr>
       <p:sp>
         <p:nvSpPr>
-          <p:cNvPr id="4" name="Title 3"/>
-          <p:cNvSpPr>
-            <a:spLocks noGrp="1"/>
-          </p:cNvSpPr>
-          <p:nvPr>
-            <p:ph type="title"/>
-          </p:nvPr>
-        </p:nvSpPr>
-        <p:spPr/>
-        <p:txBody>
-          <a:bodyPr>
+          <p:cNvPr id="5" name="內容版面配置區 4">
+            <a:extLst>
+              <a:ext uri="{FF2B5EF4-FFF2-40B4-BE49-F238E27FC236}">
+                <a16:creationId xmlns:a16="http://schemas.microsoft.com/office/drawing/2014/main" id="{D4C6C4BD-2B77-BE24-F037-471D153CF434}"/>
+              </a:ext>
+            </a:extLst>
+          </p:cNvPr>
+          <p:cNvSpPr>
+            <a:spLocks noGrp="1"/>
+          </p:cNvSpPr>
+          <p:nvPr>
+            <p:ph idx="1"/>
+          </p:nvPr>
+        </p:nvSpPr>
+        <p:spPr>
+          <a:xfrm>
+            <a:off x="0" y="2084853"/>
+            <a:ext cx="12192000" cy="2404863"/>
+          </a:xfrm>
+        </p:spPr>
+        <p:txBody>
+          <a:bodyPr anchor="ctr">
             <a:normAutofit/>
           </a:bodyPr>
           <a:lstStyle/>
           <a:p>
-            <a:r>
-              <a:rPr lang="en-US" altLang="zh-CN" sz="4800" b="1" dirty="0">
-                <a:solidFill>
-                  <a:srgbClr val="002060"/>
+            <a:pPr marL="0" indent="0" algn="ctr">
+              <a:buNone/>
+            </a:pPr>
+            <a:r>
+              <a:rPr lang="zh-TW" altLang="en-US" sz="6400" b="1" dirty="0">
+                <a:solidFill>
+                  <a:srgbClr val="000066"/>
                 </a:solidFill>
                 <a:latin typeface="Microsoft JhengHei" panose="020B0604030504040204" pitchFamily="34" charset="-120"/>
                 <a:ea typeface="Microsoft JhengHei" panose="020B0604030504040204" pitchFamily="34" charset="-120"/>
               </a:rPr>
-              <a:t>【</a:t>
-            </a:r>
-            <a:r>
-              <a:rPr lang="zh-CN" altLang="en-US" sz="4800" b="1" dirty="0">
-                <a:solidFill>
-                  <a:srgbClr val="002060"/>
+              <a:t>願我雙手替主辦事</a:t>
+            </a:r>
+          </a:p>
+          <a:p>
+            <a:pPr marL="0" indent="0" algn="ctr">
+              <a:buNone/>
+            </a:pPr>
+            <a:r>
+              <a:rPr lang="zh-TW" altLang="en-US" sz="6400" b="1" dirty="0">
+                <a:solidFill>
+                  <a:srgbClr val="000066"/>
                 </a:solidFill>
                 <a:latin typeface="Microsoft JhengHei" panose="020B0604030504040204" pitchFamily="34" charset="-120"/>
                 <a:ea typeface="Microsoft JhengHei" panose="020B0604030504040204" pitchFamily="34" charset="-120"/>
               </a:rPr>
-              <a:t>都歸耶穌</a:t>
-            </a:r>
-            <a:r>
-              <a:rPr lang="en-US" altLang="zh-CN" sz="4800" b="1" dirty="0">
-                <a:solidFill>
-                  <a:srgbClr val="002060"/>
-                </a:solidFill>
-                <a:latin typeface="Microsoft JhengHei" panose="020B0604030504040204" pitchFamily="34" charset="-120"/>
-                <a:ea typeface="Microsoft JhengHei" panose="020B0604030504040204" pitchFamily="34" charset="-120"/>
-              </a:rPr>
-              <a:t>】</a:t>
-            </a:r>
-          </a:p>
-        </p:txBody>
-      </p:sp>
-      <p:sp>
-        <p:nvSpPr>
-          <p:cNvPr id="5" name="Content Placeholder 4"/>
-          <p:cNvSpPr>
-            <a:spLocks noGrp="1"/>
-          </p:cNvSpPr>
-          <p:nvPr>
-            <p:ph idx="1"/>
-          </p:nvPr>
-        </p:nvSpPr>
-        <p:spPr/>
-        <p:txBody>
-          <a:bodyPr>
-            <a:normAutofit/>
-          </a:bodyPr>
-          <a:lstStyle/>
-          <a:p>
-            <a:pPr marL="0" indent="0" algn="ctr">
-              <a:buNone/>
-            </a:pPr>
-            <a:r>
-              <a:rPr lang="zh-TW" altLang="en-US" sz="5400" b="1" dirty="0">
-                <a:solidFill>
-                  <a:srgbClr val="002060"/>
-                </a:solidFill>
-                <a:latin typeface="Microsoft JhengHei" panose="020B0604030504040204" pitchFamily="34" charset="-120"/>
-                <a:ea typeface="Microsoft JhengHei" panose="020B0604030504040204" pitchFamily="34" charset="-120"/>
-              </a:rPr>
-              <a:t>任憑世人都貪世福</a:t>
-            </a:r>
-          </a:p>
-          <a:p>
-            <a:pPr marL="0" indent="0" algn="ctr">
-              <a:buNone/>
-            </a:pPr>
-            <a:r>
-              <a:rPr lang="zh-TW" altLang="en-US" sz="5400" b="1" dirty="0">
-                <a:solidFill>
-                  <a:srgbClr val="002060"/>
-                </a:solidFill>
-                <a:latin typeface="Microsoft JhengHei" panose="020B0604030504040204" pitchFamily="34" charset="-120"/>
-                <a:ea typeface="Microsoft JhengHei" panose="020B0604030504040204" pitchFamily="34" charset="-120"/>
-              </a:rPr>
-              <a:t>追求今生虛榮耀</a:t>
-            </a:r>
-          </a:p>
-          <a:p>
-            <a:pPr marL="0" indent="0" algn="ctr">
-              <a:buNone/>
-            </a:pPr>
-            <a:r>
-              <a:rPr lang="zh-TW" altLang="en-US" sz="5400" b="1" dirty="0">
-                <a:solidFill>
-                  <a:srgbClr val="002060"/>
-                </a:solidFill>
-                <a:latin typeface="Microsoft JhengHei" panose="020B0604030504040204" pitchFamily="34" charset="-120"/>
-                <a:ea typeface="Microsoft JhengHei" panose="020B0604030504040204" pitchFamily="34" charset="-120"/>
-              </a:rPr>
-              <a:t>並且誇獎富貴溫飽</a:t>
-            </a:r>
-          </a:p>
-          <a:p>
-            <a:pPr marL="0" indent="0" algn="ctr">
-              <a:buNone/>
-            </a:pPr>
-            <a:r>
-              <a:rPr lang="zh-TW" altLang="en-US" sz="5400" b="1" dirty="0">
-                <a:solidFill>
-                  <a:srgbClr val="002060"/>
-                </a:solidFill>
-                <a:latin typeface="Microsoft JhengHei" panose="020B0604030504040204" pitchFamily="34" charset="-120"/>
-                <a:ea typeface="Microsoft JhengHei" panose="020B0604030504040204" pitchFamily="34" charset="-120"/>
-              </a:rPr>
-              <a:t>我倒以主為珍寶</a:t>
-            </a:r>
-          </a:p>
-        </p:txBody>
-      </p:sp>
-      <p:sp>
-        <p:nvSpPr>
-          <p:cNvPr id="6" name="Text Box 1"/>
+              <a:t>願我兩足跟主行</a:t>
+            </a:r>
+          </a:p>
+        </p:txBody>
+      </p:sp>
+      <p:sp>
+        <p:nvSpPr>
+          <p:cNvPr id="3" name="TextBox 2">
+            <a:extLst>
+              <a:ext uri="{FF2B5EF4-FFF2-40B4-BE49-F238E27FC236}">
+                <a16:creationId xmlns:a16="http://schemas.microsoft.com/office/drawing/2014/main" id="{D61D591F-B2D3-77AB-8396-86A0CD69FC8F}"/>
+              </a:ext>
+            </a:extLst>
+          </p:cNvPr>
           <p:cNvSpPr txBox="1"/>
           <p:nvPr/>
         </p:nvSpPr>
         <p:spPr>
           <a:xfrm>
-            <a:off x="1415480" y="1700808"/>
-            <a:ext cx="911424" cy="923330"/>
+            <a:off x="0" y="5061183"/>
+            <a:ext cx="12192000" cy="666786"/>
           </a:xfrm>
           <a:prstGeom prst="rect">
             <a:avLst/>
           </a:prstGeom>
           <a:noFill/>
-          <a:ln w="9525">
-            <a:noFill/>
-            <a:miter lim="800000"/>
-          </a:ln>
         </p:spPr>
         <p:txBody>
-          <a:bodyPr wrap="square">
+          <a:bodyPr wrap="square" rtlCol="0">
             <a:spAutoFit/>
           </a:bodyPr>
           <a:lstStyle/>
           <a:p>
             <a:pPr algn="ctr"/>
             <a:r>
-              <a:rPr lang="en-US" sz="5400" b="1" dirty="0">
-                <a:solidFill>
-                  <a:srgbClr val="002060"/>
+              <a:rPr lang="en-US" sz="3733" b="1" dirty="0">
+                <a:solidFill>
+                  <a:srgbClr val="000066"/>
                 </a:solidFill>
               </a:rPr>
-              <a:t>3</a:t>
-            </a:r>
-            <a:r>
-              <a:rPr lang="en-US" sz="5400" b="1" dirty="0" smtClean="0">
-                <a:solidFill>
-                  <a:srgbClr val="002060"/>
-                </a:solidFill>
-              </a:rPr>
-              <a:t>.</a:t>
-            </a:r>
-            <a:endParaRPr lang="en-US" sz="5400" b="1" dirty="0">
+              <a:t>( 2 / 4 )</a:t>
+            </a:r>
+            <a:endParaRPr lang="vi-VN" sz="3733" b="1" dirty="0">
               <a:solidFill>
-                <a:srgbClr val="002060"/>
+                <a:srgbClr val="000066"/>
               </a:solidFill>
             </a:endParaRPr>
           </a:p>
@@ -4625,7 +5009,7 @@
     </p:spTree>
     <p:extLst>
       <p:ext uri="{BB962C8B-B14F-4D97-AF65-F5344CB8AC3E}">
-        <p14:creationId xmlns:p14="http://schemas.microsoft.com/office/powerpoint/2010/main" val="1102361856"/>
+        <p14:creationId xmlns:p14="http://schemas.microsoft.com/office/powerpoint/2010/main" val="65079254"/>
       </p:ext>
     </p:extLst>
   </p:cSld>
@@ -4640,7 +5024,13 @@
   <p:cSld>
     <p:spTree>
       <p:nvGrpSpPr>
-        <p:cNvPr id="1" name=""/>
+        <p:cNvPr id="1" name="">
+          <a:extLst>
+            <a:ext uri="{FF2B5EF4-FFF2-40B4-BE49-F238E27FC236}">
+              <a16:creationId xmlns:a16="http://schemas.microsoft.com/office/drawing/2014/main" id="{31AA2C82-3FA9-848B-4C01-EAD594BA0569}"/>
+            </a:ext>
+          </a:extLst>
+        </p:cNvPr>
         <p:cNvGrpSpPr/>
         <p:nvPr/>
       </p:nvGrpSpPr>
@@ -4654,136 +5044,112 @@
       </p:grpSpPr>
       <p:sp>
         <p:nvSpPr>
-          <p:cNvPr id="4" name="Title 3"/>
-          <p:cNvSpPr>
-            <a:spLocks noGrp="1"/>
-          </p:cNvSpPr>
-          <p:nvPr>
-            <p:ph type="title"/>
-          </p:nvPr>
-        </p:nvSpPr>
-        <p:spPr/>
-        <p:txBody>
-          <a:bodyPr>
+          <p:cNvPr id="5" name="內容版面配置區 4">
+            <a:extLst>
+              <a:ext uri="{FF2B5EF4-FFF2-40B4-BE49-F238E27FC236}">
+                <a16:creationId xmlns:a16="http://schemas.microsoft.com/office/drawing/2014/main" id="{923B1A44-A141-AA77-EA90-B40C80C13C36}"/>
+              </a:ext>
+            </a:extLst>
+          </p:cNvPr>
+          <p:cNvSpPr>
+            <a:spLocks noGrp="1"/>
+          </p:cNvSpPr>
+          <p:nvPr>
+            <p:ph idx="1"/>
+          </p:nvPr>
+        </p:nvSpPr>
+        <p:spPr>
+          <a:xfrm>
+            <a:off x="0" y="2084853"/>
+            <a:ext cx="12192000" cy="2404863"/>
+          </a:xfrm>
+        </p:spPr>
+        <p:txBody>
+          <a:bodyPr anchor="ctr">
             <a:normAutofit/>
           </a:bodyPr>
           <a:lstStyle/>
           <a:p>
-            <a:r>
-              <a:rPr lang="en-US" altLang="zh-CN" sz="4800" b="1" dirty="0">
-                <a:solidFill>
-                  <a:srgbClr val="002060"/>
+            <a:pPr marL="0" indent="0" algn="ctr">
+              <a:buNone/>
+            </a:pPr>
+            <a:r>
+              <a:rPr lang="zh-TW" altLang="en-US" sz="6400" b="1" dirty="0">
+                <a:solidFill>
+                  <a:srgbClr val="000066"/>
                 </a:solidFill>
                 <a:latin typeface="Microsoft JhengHei" panose="020B0604030504040204" pitchFamily="34" charset="-120"/>
                 <a:ea typeface="Microsoft JhengHei" panose="020B0604030504040204" pitchFamily="34" charset="-120"/>
               </a:rPr>
-              <a:t>【</a:t>
-            </a:r>
-            <a:r>
-              <a:rPr lang="zh-CN" altLang="en-US" sz="4800" b="1" dirty="0">
-                <a:solidFill>
-                  <a:srgbClr val="002060"/>
+              <a:t>願我雙目仰望耶穌</a:t>
+            </a:r>
+          </a:p>
+          <a:p>
+            <a:pPr marL="0" indent="0" algn="ctr">
+              <a:buNone/>
+            </a:pPr>
+            <a:r>
+              <a:rPr lang="zh-TW" altLang="en-US" sz="6400" b="1" dirty="0">
+                <a:solidFill>
+                  <a:srgbClr val="000066"/>
                 </a:solidFill>
                 <a:latin typeface="Microsoft JhengHei" panose="020B0604030504040204" pitchFamily="34" charset="-120"/>
                 <a:ea typeface="Microsoft JhengHei" panose="020B0604030504040204" pitchFamily="34" charset="-120"/>
               </a:rPr>
-              <a:t>都歸耶穌</a:t>
-            </a:r>
-            <a:r>
-              <a:rPr lang="en-US" altLang="zh-CN" sz="4800" b="1" dirty="0">
-                <a:solidFill>
-                  <a:srgbClr val="002060"/>
-                </a:solidFill>
-                <a:latin typeface="Microsoft JhengHei" panose="020B0604030504040204" pitchFamily="34" charset="-120"/>
-                <a:ea typeface="Microsoft JhengHei" panose="020B0604030504040204" pitchFamily="34" charset="-120"/>
+              <a:t>願我口舌頌主名</a:t>
+            </a:r>
+          </a:p>
+        </p:txBody>
+      </p:sp>
+      <p:sp>
+        <p:nvSpPr>
+          <p:cNvPr id="3" name="TextBox 2">
+            <a:extLst>
+              <a:ext uri="{FF2B5EF4-FFF2-40B4-BE49-F238E27FC236}">
+                <a16:creationId xmlns:a16="http://schemas.microsoft.com/office/drawing/2014/main" id="{E6259567-07F8-9CFC-3589-7D26D4AEC115}"/>
+              </a:ext>
+            </a:extLst>
+          </p:cNvPr>
+          <p:cNvSpPr txBox="1"/>
+          <p:nvPr/>
+        </p:nvSpPr>
+        <p:spPr>
+          <a:xfrm>
+            <a:off x="0" y="5061183"/>
+            <a:ext cx="12192000" cy="666786"/>
+          </a:xfrm>
+          <a:prstGeom prst="rect">
+            <a:avLst/>
+          </a:prstGeom>
+          <a:noFill/>
+        </p:spPr>
+        <p:txBody>
+          <a:bodyPr wrap="square" rtlCol="0">
+            <a:spAutoFit/>
+          </a:bodyPr>
+          <a:lstStyle/>
+          <a:p>
+            <a:pPr algn="ctr"/>
+            <a:r>
+              <a:rPr lang="en-US" sz="3733" b="1" dirty="0">
+                <a:solidFill>
+                  <a:srgbClr val="000066"/>
+                </a:solidFill>
               </a:rPr>
-              <a:t>】</a:t>
-            </a:r>
-          </a:p>
-        </p:txBody>
-      </p:sp>
-      <p:sp>
-        <p:nvSpPr>
-          <p:cNvPr id="5" name="Content Placeholder 4"/>
-          <p:cNvSpPr>
-            <a:spLocks noGrp="1"/>
-          </p:cNvSpPr>
-          <p:nvPr>
-            <p:ph idx="1"/>
-          </p:nvPr>
-        </p:nvSpPr>
-        <p:spPr/>
-        <p:txBody>
-          <a:bodyPr>
-            <a:normAutofit/>
-          </a:bodyPr>
-          <a:lstStyle/>
-          <a:p>
-            <a:pPr marL="0" indent="0" algn="ctr">
-              <a:buNone/>
-            </a:pPr>
-            <a:r>
-              <a:rPr lang="zh-TW" altLang="en-US" sz="5400" b="1" dirty="0">
-                <a:solidFill>
-                  <a:srgbClr val="002060"/>
-                </a:solidFill>
-                <a:latin typeface="Microsoft JhengHei" panose="020B0604030504040204" pitchFamily="34" charset="-120"/>
-                <a:ea typeface="Microsoft JhengHei" panose="020B0604030504040204" pitchFamily="34" charset="-120"/>
-              </a:rPr>
-              <a:t>都歸耶穌   都歸耶穌</a:t>
-            </a:r>
-          </a:p>
-          <a:p>
-            <a:pPr marL="0" indent="0" algn="ctr">
-              <a:buNone/>
-            </a:pPr>
-            <a:r>
-              <a:rPr lang="zh-TW" altLang="en-US" sz="5400" b="1" dirty="0">
-                <a:solidFill>
-                  <a:srgbClr val="002060"/>
-                </a:solidFill>
-                <a:latin typeface="Microsoft JhengHei" panose="020B0604030504040204" pitchFamily="34" charset="-120"/>
-                <a:ea typeface="Microsoft JhengHei" panose="020B0604030504040204" pitchFamily="34" charset="-120"/>
-              </a:rPr>
-              <a:t>我願全身都歸主</a:t>
-            </a:r>
-          </a:p>
-          <a:p>
-            <a:pPr marL="0" indent="0" algn="ctr">
-              <a:buNone/>
-            </a:pPr>
-            <a:r>
-              <a:rPr lang="zh-TW" altLang="en-US" sz="5400" b="1" dirty="0">
-                <a:solidFill>
-                  <a:srgbClr val="002060"/>
-                </a:solidFill>
-                <a:latin typeface="Microsoft JhengHei" panose="020B0604030504040204" pitchFamily="34" charset="-120"/>
-                <a:ea typeface="Microsoft JhengHei" panose="020B0604030504040204" pitchFamily="34" charset="-120"/>
-              </a:rPr>
-              <a:t>都歸耶穌   都歸耶穌</a:t>
-            </a:r>
-          </a:p>
-          <a:p>
-            <a:pPr marL="0" indent="0" algn="ctr">
-              <a:buNone/>
-            </a:pPr>
-            <a:r>
-              <a:rPr lang="zh-TW" altLang="en-US" sz="5400" b="1" dirty="0">
-                <a:solidFill>
-                  <a:srgbClr val="002060"/>
-                </a:solidFill>
-                <a:latin typeface="Microsoft JhengHei" panose="020B0604030504040204" pitchFamily="34" charset="-120"/>
-                <a:ea typeface="Microsoft JhengHei" panose="020B0604030504040204" pitchFamily="34" charset="-120"/>
-              </a:rPr>
-              <a:t>我願全身都歸主</a:t>
-            </a:r>
+              <a:t>( 2 / 4 )</a:t>
+            </a:r>
+            <a:endParaRPr lang="vi-VN" sz="3733" b="1" dirty="0">
+              <a:solidFill>
+                <a:srgbClr val="000066"/>
+              </a:solidFill>
+            </a:endParaRPr>
           </a:p>
         </p:txBody>
       </p:sp>
     </p:spTree>
     <p:extLst>
       <p:ext uri="{BB962C8B-B14F-4D97-AF65-F5344CB8AC3E}">
-        <p14:creationId xmlns:p14="http://schemas.microsoft.com/office/powerpoint/2010/main" val="1330557610"/>
+        <p14:creationId xmlns:p14="http://schemas.microsoft.com/office/powerpoint/2010/main" val="3300939032"/>
       </p:ext>
     </p:extLst>
   </p:cSld>
@@ -4798,7 +5164,13 @@
   <p:cSld>
     <p:spTree>
       <p:nvGrpSpPr>
-        <p:cNvPr id="1" name=""/>
+        <p:cNvPr id="1" name="">
+          <a:extLst>
+            <a:ext uri="{FF2B5EF4-FFF2-40B4-BE49-F238E27FC236}">
+              <a16:creationId xmlns:a16="http://schemas.microsoft.com/office/drawing/2014/main" id="{BA895915-839D-D820-DD41-7EC483ED434B}"/>
+            </a:ext>
+          </a:extLst>
+        </p:cNvPr>
         <p:cNvGrpSpPr/>
         <p:nvPr/>
       </p:nvGrpSpPr>
@@ -4812,179 +5184,127 @@
       </p:grpSpPr>
       <p:sp>
         <p:nvSpPr>
-          <p:cNvPr id="4" name="Title 3"/>
-          <p:cNvSpPr>
-            <a:spLocks noGrp="1"/>
-          </p:cNvSpPr>
-          <p:nvPr>
-            <p:ph type="title"/>
-          </p:nvPr>
-        </p:nvSpPr>
-        <p:spPr/>
-        <p:txBody>
-          <a:bodyPr>
+          <p:cNvPr id="5" name="內容版面配置區 4">
+            <a:extLst>
+              <a:ext uri="{FF2B5EF4-FFF2-40B4-BE49-F238E27FC236}">
+                <a16:creationId xmlns:a16="http://schemas.microsoft.com/office/drawing/2014/main" id="{FA4B6D8C-0242-6CE4-F8A9-3697147F8A86}"/>
+              </a:ext>
+            </a:extLst>
+          </p:cNvPr>
+          <p:cNvSpPr>
+            <a:spLocks noGrp="1"/>
+          </p:cNvSpPr>
+          <p:nvPr>
+            <p:ph idx="1"/>
+          </p:nvPr>
+        </p:nvSpPr>
+        <p:spPr>
+          <a:xfrm>
+            <a:off x="0" y="2084853"/>
+            <a:ext cx="12192000" cy="2404863"/>
+          </a:xfrm>
+        </p:spPr>
+        <p:txBody>
+          <a:bodyPr anchor="ctr">
             <a:normAutofit/>
           </a:bodyPr>
           <a:lstStyle/>
           <a:p>
-            <a:r>
-              <a:rPr lang="en-US" altLang="zh-CN" sz="4800" b="1" dirty="0">
-                <a:solidFill>
-                  <a:srgbClr val="002060"/>
+            <a:pPr marL="0" indent="0" algn="ctr">
+              <a:buNone/>
+            </a:pPr>
+            <a:r>
+              <a:rPr lang="zh-TW" altLang="en-US" sz="6400" b="1" dirty="0">
+                <a:solidFill>
+                  <a:srgbClr val="000066"/>
                 </a:solidFill>
                 <a:latin typeface="Microsoft JhengHei" panose="020B0604030504040204" pitchFamily="34" charset="-120"/>
                 <a:ea typeface="Microsoft JhengHei" panose="020B0604030504040204" pitchFamily="34" charset="-120"/>
               </a:rPr>
-              <a:t>【</a:t>
-            </a:r>
-            <a:r>
-              <a:rPr lang="zh-CN" altLang="en-US" sz="4800" b="1" dirty="0">
-                <a:solidFill>
-                  <a:srgbClr val="002060"/>
+              <a:t>都歸耶穌   都歸耶穌</a:t>
+            </a:r>
+          </a:p>
+          <a:p>
+            <a:pPr marL="0" indent="0" algn="ctr">
+              <a:buNone/>
+            </a:pPr>
+            <a:r>
+              <a:rPr lang="zh-TW" altLang="en-US" sz="6400" b="1" dirty="0">
+                <a:solidFill>
+                  <a:srgbClr val="000066"/>
                 </a:solidFill>
                 <a:latin typeface="Microsoft JhengHei" panose="020B0604030504040204" pitchFamily="34" charset="-120"/>
                 <a:ea typeface="Microsoft JhengHei" panose="020B0604030504040204" pitchFamily="34" charset="-120"/>
               </a:rPr>
-              <a:t>都歸耶穌</a:t>
-            </a:r>
-            <a:r>
-              <a:rPr lang="en-US" altLang="zh-CN" sz="4800" b="1" dirty="0">
-                <a:solidFill>
-                  <a:srgbClr val="002060"/>
-                </a:solidFill>
-                <a:latin typeface="Microsoft JhengHei" panose="020B0604030504040204" pitchFamily="34" charset="-120"/>
-                <a:ea typeface="Microsoft JhengHei" panose="020B0604030504040204" pitchFamily="34" charset="-120"/>
-              </a:rPr>
-              <a:t>】</a:t>
-            </a:r>
-          </a:p>
-        </p:txBody>
-      </p:sp>
-      <p:sp>
-        <p:nvSpPr>
-          <p:cNvPr id="5" name="Content Placeholder 4"/>
-          <p:cNvSpPr>
-            <a:spLocks noGrp="1"/>
-          </p:cNvSpPr>
-          <p:nvPr>
-            <p:ph idx="1"/>
-          </p:nvPr>
-        </p:nvSpPr>
-        <p:spPr/>
-        <p:txBody>
-          <a:bodyPr>
-            <a:normAutofit/>
-          </a:bodyPr>
-          <a:lstStyle/>
-          <a:p>
-            <a:pPr marL="0" indent="0" algn="ctr">
-              <a:buNone/>
-            </a:pPr>
-            <a:r>
-              <a:rPr lang="zh-TW" altLang="en-US" sz="5400" b="1" dirty="0">
-                <a:solidFill>
-                  <a:srgbClr val="002060"/>
-                </a:solidFill>
-                <a:latin typeface="Microsoft JhengHei" panose="020B0604030504040204" pitchFamily="34" charset="-120"/>
-                <a:ea typeface="Microsoft JhengHei" panose="020B0604030504040204" pitchFamily="34" charset="-120"/>
-              </a:rPr>
-              <a:t>自我眼睛注定耶穌</a:t>
-            </a:r>
-          </a:p>
-          <a:p>
-            <a:pPr marL="0" indent="0" algn="ctr">
-              <a:buNone/>
-            </a:pPr>
-            <a:r>
-              <a:rPr lang="zh-TW" altLang="en-US" sz="5400" b="1" dirty="0">
-                <a:solidFill>
-                  <a:srgbClr val="002060"/>
-                </a:solidFill>
-                <a:latin typeface="Microsoft JhengHei" panose="020B0604030504040204" pitchFamily="34" charset="-120"/>
-                <a:ea typeface="Microsoft JhengHei" panose="020B0604030504040204" pitchFamily="34" charset="-120"/>
-              </a:rPr>
-              <a:t>世界富貴願丟棄</a:t>
-            </a:r>
-          </a:p>
-          <a:p>
-            <a:pPr marL="0" indent="0" algn="ctr">
-              <a:buNone/>
-            </a:pPr>
-            <a:r>
-              <a:rPr lang="zh-TW" altLang="en-US" sz="5400" b="1" dirty="0">
-                <a:solidFill>
-                  <a:srgbClr val="002060"/>
-                </a:solidFill>
-                <a:latin typeface="Microsoft JhengHei" panose="020B0604030504040204" pitchFamily="34" charset="-120"/>
-                <a:ea typeface="Microsoft JhengHei" panose="020B0604030504040204" pitchFamily="34" charset="-120"/>
-              </a:rPr>
-              <a:t>每逢想到十字寶架</a:t>
-            </a:r>
-          </a:p>
-          <a:p>
-            <a:pPr marL="0" indent="0" algn="ctr">
-              <a:buNone/>
-            </a:pPr>
-            <a:r>
-              <a:rPr lang="zh-TW" altLang="en-US" sz="5400" b="1" dirty="0">
-                <a:solidFill>
-                  <a:srgbClr val="002060"/>
-                </a:solidFill>
-                <a:latin typeface="Microsoft JhengHei" panose="020B0604030504040204" pitchFamily="34" charset="-120"/>
-                <a:ea typeface="Microsoft JhengHei" panose="020B0604030504040204" pitchFamily="34" charset="-120"/>
-              </a:rPr>
-              <a:t>我心真感恩無已</a:t>
-            </a:r>
-          </a:p>
-        </p:txBody>
-      </p:sp>
-      <p:sp>
-        <p:nvSpPr>
-          <p:cNvPr id="6" name="Text Box 1"/>
+              <a:t>我願全身都歸主</a:t>
+            </a:r>
+          </a:p>
+        </p:txBody>
+      </p:sp>
+      <p:sp>
+        <p:nvSpPr>
+          <p:cNvPr id="2" name="TextBox 1">
+            <a:extLst>
+              <a:ext uri="{FF2B5EF4-FFF2-40B4-BE49-F238E27FC236}">
+                <a16:creationId xmlns:a16="http://schemas.microsoft.com/office/drawing/2014/main" id="{8EB88C8B-33EE-22E6-4A6A-A3AF7DC68861}"/>
+              </a:ext>
+            </a:extLst>
+          </p:cNvPr>
           <p:cNvSpPr txBox="1"/>
           <p:nvPr/>
         </p:nvSpPr>
         <p:spPr>
           <a:xfrm>
-            <a:off x="1415480" y="1700808"/>
-            <a:ext cx="911424" cy="923330"/>
+            <a:off x="0" y="5061183"/>
+            <a:ext cx="12192000" cy="666786"/>
           </a:xfrm>
           <a:prstGeom prst="rect">
             <a:avLst/>
           </a:prstGeom>
           <a:noFill/>
-          <a:ln w="9525">
-            <a:noFill/>
-            <a:miter lim="800000"/>
-          </a:ln>
         </p:spPr>
         <p:txBody>
-          <a:bodyPr wrap="square">
+          <a:bodyPr wrap="square" rtlCol="0">
             <a:spAutoFit/>
           </a:bodyPr>
           <a:lstStyle/>
           <a:p>
             <a:pPr algn="ctr"/>
             <a:r>
-              <a:rPr lang="en-US" sz="5400" b="1" dirty="0">
-                <a:solidFill>
-                  <a:srgbClr val="002060"/>
-                </a:solidFill>
+              <a:rPr lang="en-US" sz="3733" b="1" dirty="0">
+                <a:solidFill>
+                  <a:srgbClr val="000066"/>
+                </a:solidFill>
+                <a:latin typeface="Microsoft JhengHei" panose="020B0604030504040204" pitchFamily="34" charset="-120"/>
+                <a:ea typeface="Microsoft JhengHei" panose="020B0604030504040204" pitchFamily="34" charset="-120"/>
               </a:rPr>
-              <a:t>4</a:t>
-            </a:r>
-            <a:r>
-              <a:rPr lang="en-US" sz="5400" b="1" dirty="0" smtClean="0">
-                <a:solidFill>
-                  <a:srgbClr val="002060"/>
-                </a:solidFill>
+              <a:t>( 2 </a:t>
+            </a:r>
+            <a:r>
+              <a:rPr lang="zh-CN" altLang="en-US" sz="3733" b="1" dirty="0">
+                <a:solidFill>
+                  <a:srgbClr val="000066"/>
+                </a:solidFill>
+                <a:latin typeface="Microsoft JhengHei" panose="020B0604030504040204" pitchFamily="34" charset="-120"/>
+                <a:ea typeface="Microsoft JhengHei" panose="020B0604030504040204" pitchFamily="34" charset="-120"/>
               </a:rPr>
-              <a:t>.</a:t>
-            </a:r>
-            <a:endParaRPr lang="en-US" sz="5400" b="1" dirty="0">
+              <a:t>次 </a:t>
+            </a:r>
+            <a:r>
+              <a:rPr lang="en-US" sz="3733" b="1" dirty="0">
+                <a:solidFill>
+                  <a:srgbClr val="000066"/>
+                </a:solidFill>
+                <a:latin typeface="Microsoft JhengHei" panose="020B0604030504040204" pitchFamily="34" charset="-120"/>
+                <a:ea typeface="Microsoft JhengHei" panose="020B0604030504040204" pitchFamily="34" charset="-120"/>
+              </a:rPr>
+              <a:t>)</a:t>
+            </a:r>
+            <a:endParaRPr lang="vi-VN" sz="3733" b="1" dirty="0">
               <a:solidFill>
-                <a:srgbClr val="002060"/>
+                <a:srgbClr val="000066"/>
               </a:solidFill>
+              <a:ea typeface="Microsoft JhengHei" panose="020B0604030504040204" pitchFamily="34" charset="-120"/>
             </a:endParaRPr>
           </a:p>
         </p:txBody>
@@ -4992,7 +5312,7 @@
     </p:spTree>
     <p:extLst>
       <p:ext uri="{BB962C8B-B14F-4D97-AF65-F5344CB8AC3E}">
-        <p14:creationId xmlns:p14="http://schemas.microsoft.com/office/powerpoint/2010/main" val="471065853"/>
+        <p14:creationId xmlns:p14="http://schemas.microsoft.com/office/powerpoint/2010/main" val="1702990101"/>
       </p:ext>
     </p:extLst>
   </p:cSld>
@@ -5007,7 +5327,13 @@
   <p:cSld>
     <p:spTree>
       <p:nvGrpSpPr>
-        <p:cNvPr id="1" name=""/>
+        <p:cNvPr id="1" name="">
+          <a:extLst>
+            <a:ext uri="{FF2B5EF4-FFF2-40B4-BE49-F238E27FC236}">
+              <a16:creationId xmlns:a16="http://schemas.microsoft.com/office/drawing/2014/main" id="{9B733C14-7CE0-AB5E-EF4C-86616FD14A33}"/>
+            </a:ext>
+          </a:extLst>
+        </p:cNvPr>
         <p:cNvGrpSpPr/>
         <p:nvPr/>
       </p:nvGrpSpPr>
@@ -5021,136 +5347,252 @@
       </p:grpSpPr>
       <p:sp>
         <p:nvSpPr>
-          <p:cNvPr id="4" name="Title 3"/>
-          <p:cNvSpPr>
-            <a:spLocks noGrp="1"/>
-          </p:cNvSpPr>
-          <p:nvPr>
-            <p:ph type="title"/>
-          </p:nvPr>
-        </p:nvSpPr>
-        <p:spPr/>
-        <p:txBody>
-          <a:bodyPr>
+          <p:cNvPr id="5" name="內容版面配置區 4">
+            <a:extLst>
+              <a:ext uri="{FF2B5EF4-FFF2-40B4-BE49-F238E27FC236}">
+                <a16:creationId xmlns:a16="http://schemas.microsoft.com/office/drawing/2014/main" id="{5D0A3DD2-77B2-DD93-E421-0DE768F37BFE}"/>
+              </a:ext>
+            </a:extLst>
+          </p:cNvPr>
+          <p:cNvSpPr>
+            <a:spLocks noGrp="1"/>
+          </p:cNvSpPr>
+          <p:nvPr>
+            <p:ph idx="1"/>
+          </p:nvPr>
+        </p:nvSpPr>
+        <p:spPr>
+          <a:xfrm>
+            <a:off x="0" y="2084853"/>
+            <a:ext cx="12192000" cy="2404863"/>
+          </a:xfrm>
+        </p:spPr>
+        <p:txBody>
+          <a:bodyPr anchor="ctr">
             <a:normAutofit/>
           </a:bodyPr>
           <a:lstStyle/>
           <a:p>
-            <a:r>
-              <a:rPr lang="en-US" altLang="zh-CN" sz="4800" b="1" dirty="0">
-                <a:solidFill>
-                  <a:srgbClr val="002060"/>
+            <a:pPr marL="0" indent="0" algn="ctr">
+              <a:buNone/>
+            </a:pPr>
+            <a:r>
+              <a:rPr lang="zh-TW" altLang="en-US" sz="6400" b="1" dirty="0">
+                <a:solidFill>
+                  <a:srgbClr val="000066"/>
                 </a:solidFill>
                 <a:latin typeface="Microsoft JhengHei" panose="020B0604030504040204" pitchFamily="34" charset="-120"/>
                 <a:ea typeface="Microsoft JhengHei" panose="020B0604030504040204" pitchFamily="34" charset="-120"/>
               </a:rPr>
-              <a:t>【</a:t>
-            </a:r>
-            <a:r>
-              <a:rPr lang="zh-CN" altLang="en-US" sz="4800" b="1" dirty="0">
-                <a:solidFill>
-                  <a:srgbClr val="002060"/>
+              <a:t>任憑世人都貪世福</a:t>
+            </a:r>
+          </a:p>
+          <a:p>
+            <a:pPr marL="0" indent="0" algn="ctr">
+              <a:buNone/>
+            </a:pPr>
+            <a:r>
+              <a:rPr lang="zh-TW" altLang="en-US" sz="6400" b="1" dirty="0">
+                <a:solidFill>
+                  <a:srgbClr val="000066"/>
                 </a:solidFill>
                 <a:latin typeface="Microsoft JhengHei" panose="020B0604030504040204" pitchFamily="34" charset="-120"/>
                 <a:ea typeface="Microsoft JhengHei" panose="020B0604030504040204" pitchFamily="34" charset="-120"/>
               </a:rPr>
-              <a:t>都歸耶穌</a:t>
-            </a:r>
-            <a:r>
-              <a:rPr lang="en-US" altLang="zh-CN" sz="4800" b="1" dirty="0">
-                <a:solidFill>
-                  <a:srgbClr val="002060"/>
+              <a:t>追求今生虛榮耀</a:t>
+            </a:r>
+          </a:p>
+        </p:txBody>
+      </p:sp>
+      <p:sp>
+        <p:nvSpPr>
+          <p:cNvPr id="3" name="TextBox 2">
+            <a:extLst>
+              <a:ext uri="{FF2B5EF4-FFF2-40B4-BE49-F238E27FC236}">
+                <a16:creationId xmlns:a16="http://schemas.microsoft.com/office/drawing/2014/main" id="{8D9FF843-5A66-484E-5371-69D7775A23E2}"/>
+              </a:ext>
+            </a:extLst>
+          </p:cNvPr>
+          <p:cNvSpPr txBox="1"/>
+          <p:nvPr/>
+        </p:nvSpPr>
+        <p:spPr>
+          <a:xfrm>
+            <a:off x="0" y="5061183"/>
+            <a:ext cx="12192000" cy="666786"/>
+          </a:xfrm>
+          <a:prstGeom prst="rect">
+            <a:avLst/>
+          </a:prstGeom>
+          <a:noFill/>
+        </p:spPr>
+        <p:txBody>
+          <a:bodyPr wrap="square" rtlCol="0">
+            <a:spAutoFit/>
+          </a:bodyPr>
+          <a:lstStyle/>
+          <a:p>
+            <a:pPr algn="ctr"/>
+            <a:r>
+              <a:rPr lang="en-US" sz="3733" b="1" dirty="0">
+                <a:solidFill>
+                  <a:srgbClr val="000066"/>
+                </a:solidFill>
+              </a:rPr>
+              <a:t>( 3 / 4 )</a:t>
+            </a:r>
+            <a:endParaRPr lang="vi-VN" sz="3733" b="1" dirty="0">
+              <a:solidFill>
+                <a:srgbClr val="000066"/>
+              </a:solidFill>
+            </a:endParaRPr>
+          </a:p>
+        </p:txBody>
+      </p:sp>
+    </p:spTree>
+    <p:extLst>
+      <p:ext uri="{BB962C8B-B14F-4D97-AF65-F5344CB8AC3E}">
+        <p14:creationId xmlns:p14="http://schemas.microsoft.com/office/powerpoint/2010/main" val="816418340"/>
+      </p:ext>
+    </p:extLst>
+  </p:cSld>
+  <p:clrMapOvr>
+    <a:masterClrMapping/>
+  </p:clrMapOvr>
+</p:sld>
+</file>
+
+<file path=ppt/slides/slide9.xml><?xml version="1.0" encoding="utf-8"?>
+<p:sld xmlns:a="http://schemas.openxmlformats.org/drawingml/2006/main" xmlns:r="http://schemas.openxmlformats.org/officeDocument/2006/relationships" xmlns:p="http://schemas.openxmlformats.org/presentationml/2006/main">
+  <p:cSld>
+    <p:spTree>
+      <p:nvGrpSpPr>
+        <p:cNvPr id="1" name="">
+          <a:extLst>
+            <a:ext uri="{FF2B5EF4-FFF2-40B4-BE49-F238E27FC236}">
+              <a16:creationId xmlns:a16="http://schemas.microsoft.com/office/drawing/2014/main" id="{FB508191-6495-0FEC-AADE-1FF7FA86FB1C}"/>
+            </a:ext>
+          </a:extLst>
+        </p:cNvPr>
+        <p:cNvGrpSpPr/>
+        <p:nvPr/>
+      </p:nvGrpSpPr>
+      <p:grpSpPr>
+        <a:xfrm>
+          <a:off x="0" y="0"/>
+          <a:ext cx="0" cy="0"/>
+          <a:chOff x="0" y="0"/>
+          <a:chExt cx="0" cy="0"/>
+        </a:xfrm>
+      </p:grpSpPr>
+      <p:sp>
+        <p:nvSpPr>
+          <p:cNvPr id="5" name="內容版面配置區 4">
+            <a:extLst>
+              <a:ext uri="{FF2B5EF4-FFF2-40B4-BE49-F238E27FC236}">
+                <a16:creationId xmlns:a16="http://schemas.microsoft.com/office/drawing/2014/main" id="{9F13F5C6-5024-62D8-F82F-C637AFBA83D2}"/>
+              </a:ext>
+            </a:extLst>
+          </p:cNvPr>
+          <p:cNvSpPr>
+            <a:spLocks noGrp="1"/>
+          </p:cNvSpPr>
+          <p:nvPr>
+            <p:ph idx="1"/>
+          </p:nvPr>
+        </p:nvSpPr>
+        <p:spPr>
+          <a:xfrm>
+            <a:off x="0" y="2084853"/>
+            <a:ext cx="12192000" cy="2404863"/>
+          </a:xfrm>
+        </p:spPr>
+        <p:txBody>
+          <a:bodyPr anchor="ctr">
+            <a:normAutofit/>
+          </a:bodyPr>
+          <a:lstStyle/>
+          <a:p>
+            <a:pPr marL="0" indent="0" algn="ctr">
+              <a:buNone/>
+            </a:pPr>
+            <a:r>
+              <a:rPr lang="zh-TW" altLang="en-US" sz="6400" b="1" dirty="0">
+                <a:solidFill>
+                  <a:srgbClr val="000066"/>
                 </a:solidFill>
                 <a:latin typeface="Microsoft JhengHei" panose="020B0604030504040204" pitchFamily="34" charset="-120"/>
                 <a:ea typeface="Microsoft JhengHei" panose="020B0604030504040204" pitchFamily="34" charset="-120"/>
               </a:rPr>
-              <a:t>】</a:t>
-            </a:r>
-          </a:p>
-        </p:txBody>
-      </p:sp>
-      <p:sp>
-        <p:nvSpPr>
-          <p:cNvPr id="5" name="Content Placeholder 4"/>
-          <p:cNvSpPr>
-            <a:spLocks noGrp="1"/>
-          </p:cNvSpPr>
-          <p:nvPr>
-            <p:ph idx="1"/>
-          </p:nvPr>
-        </p:nvSpPr>
-        <p:spPr/>
-        <p:txBody>
-          <a:bodyPr>
-            <a:normAutofit/>
-          </a:bodyPr>
-          <a:lstStyle/>
+              <a:t>並且誇獎富貴溫飽</a:t>
+            </a:r>
+          </a:p>
           <a:p>
             <a:pPr marL="0" indent="0" algn="ctr">
               <a:buNone/>
             </a:pPr>
             <a:r>
-              <a:rPr lang="zh-TW" altLang="en-US" sz="5400" b="1" dirty="0">
-                <a:solidFill>
-                  <a:srgbClr val="002060"/>
+              <a:rPr lang="zh-TW" altLang="en-US" sz="6400" b="1" dirty="0">
+                <a:solidFill>
+                  <a:srgbClr val="000066"/>
                 </a:solidFill>
                 <a:latin typeface="Microsoft JhengHei" panose="020B0604030504040204" pitchFamily="34" charset="-120"/>
                 <a:ea typeface="Microsoft JhengHei" panose="020B0604030504040204" pitchFamily="34" charset="-120"/>
               </a:rPr>
-              <a:t>都歸耶穌   都歸耶穌</a:t>
-            </a:r>
-          </a:p>
-          <a:p>
-            <a:pPr marL="0" indent="0" algn="ctr">
-              <a:buNone/>
-            </a:pPr>
-            <a:r>
-              <a:rPr lang="zh-TW" altLang="en-US" sz="5400" b="1" dirty="0">
-                <a:solidFill>
-                  <a:srgbClr val="002060"/>
-                </a:solidFill>
-                <a:latin typeface="Microsoft JhengHei" panose="020B0604030504040204" pitchFamily="34" charset="-120"/>
-                <a:ea typeface="Microsoft JhengHei" panose="020B0604030504040204" pitchFamily="34" charset="-120"/>
+              <a:t>我倒以主為珍寶</a:t>
+            </a:r>
+          </a:p>
+        </p:txBody>
+      </p:sp>
+      <p:sp>
+        <p:nvSpPr>
+          <p:cNvPr id="3" name="TextBox 2">
+            <a:extLst>
+              <a:ext uri="{FF2B5EF4-FFF2-40B4-BE49-F238E27FC236}">
+                <a16:creationId xmlns:a16="http://schemas.microsoft.com/office/drawing/2014/main" id="{7122695E-07A4-5AEC-9D14-BD4D0EB815B5}"/>
+              </a:ext>
+            </a:extLst>
+          </p:cNvPr>
+          <p:cNvSpPr txBox="1"/>
+          <p:nvPr/>
+        </p:nvSpPr>
+        <p:spPr>
+          <a:xfrm>
+            <a:off x="0" y="5061183"/>
+            <a:ext cx="12192000" cy="666786"/>
+          </a:xfrm>
+          <a:prstGeom prst="rect">
+            <a:avLst/>
+          </a:prstGeom>
+          <a:noFill/>
+        </p:spPr>
+        <p:txBody>
+          <a:bodyPr wrap="square" rtlCol="0">
+            <a:spAutoFit/>
+          </a:bodyPr>
+          <a:lstStyle/>
+          <a:p>
+            <a:pPr algn="ctr"/>
+            <a:r>
+              <a:rPr lang="en-US" sz="3733" b="1" dirty="0">
+                <a:solidFill>
+                  <a:srgbClr val="000066"/>
+                </a:solidFill>
               </a:rPr>
-              <a:t>我願全身都歸主</a:t>
-            </a:r>
-          </a:p>
-          <a:p>
-            <a:pPr marL="0" indent="0" algn="ctr">
-              <a:buNone/>
-            </a:pPr>
-            <a:r>
-              <a:rPr lang="zh-TW" altLang="en-US" sz="5400" b="1" dirty="0">
-                <a:solidFill>
-                  <a:srgbClr val="002060"/>
-                </a:solidFill>
-                <a:latin typeface="Microsoft JhengHei" panose="020B0604030504040204" pitchFamily="34" charset="-120"/>
-                <a:ea typeface="Microsoft JhengHei" panose="020B0604030504040204" pitchFamily="34" charset="-120"/>
-              </a:rPr>
-              <a:t>都歸耶穌   都歸耶穌</a:t>
-            </a:r>
-          </a:p>
-          <a:p>
-            <a:pPr marL="0" indent="0" algn="ctr">
-              <a:buNone/>
-            </a:pPr>
-            <a:r>
-              <a:rPr lang="zh-TW" altLang="en-US" sz="5400" b="1" dirty="0">
-                <a:solidFill>
-                  <a:srgbClr val="002060"/>
-                </a:solidFill>
-                <a:latin typeface="Microsoft JhengHei" panose="020B0604030504040204" pitchFamily="34" charset="-120"/>
-                <a:ea typeface="Microsoft JhengHei" panose="020B0604030504040204" pitchFamily="34" charset="-120"/>
-              </a:rPr>
-              <a:t>我願全身都歸主</a:t>
-            </a:r>
+              <a:t>( 3 / 4 )</a:t>
+            </a:r>
+            <a:endParaRPr lang="vi-VN" sz="3733" b="1" dirty="0">
+              <a:solidFill>
+                <a:srgbClr val="000066"/>
+              </a:solidFill>
+            </a:endParaRPr>
           </a:p>
         </p:txBody>
       </p:sp>
     </p:spTree>
     <p:extLst>
       <p:ext uri="{BB962C8B-B14F-4D97-AF65-F5344CB8AC3E}">
-        <p14:creationId xmlns:p14="http://schemas.microsoft.com/office/powerpoint/2010/main" val="734070897"/>
+        <p14:creationId xmlns:p14="http://schemas.microsoft.com/office/powerpoint/2010/main" val="714356721"/>
       </p:ext>
     </p:extLst>
   </p:cSld>
